--- a/slide/輪講実習.pptx
+++ b/slide/輪講実習.pptx
@@ -25,18 +25,18 @@
     <p:sldId id="268" r:id="rId16"/>
     <p:sldId id="278" r:id="rId17"/>
     <p:sldId id="269" r:id="rId18"/>
-    <p:sldId id="272" r:id="rId19"/>
-    <p:sldId id="274" r:id="rId20"/>
-    <p:sldId id="270" r:id="rId21"/>
-    <p:sldId id="276" r:id="rId22"/>
-    <p:sldId id="282" r:id="rId23"/>
-    <p:sldId id="280" r:id="rId24"/>
-    <p:sldId id="281" r:id="rId25"/>
-    <p:sldId id="283" r:id="rId26"/>
-    <p:sldId id="289" r:id="rId27"/>
-    <p:sldId id="290" r:id="rId28"/>
-    <p:sldId id="291" r:id="rId29"/>
-    <p:sldId id="292" r:id="rId30"/>
+    <p:sldId id="274" r:id="rId19"/>
+    <p:sldId id="270" r:id="rId20"/>
+    <p:sldId id="276" r:id="rId21"/>
+    <p:sldId id="282" r:id="rId22"/>
+    <p:sldId id="280" r:id="rId23"/>
+    <p:sldId id="281" r:id="rId24"/>
+    <p:sldId id="283" r:id="rId25"/>
+    <p:sldId id="289" r:id="rId26"/>
+    <p:sldId id="295" r:id="rId27"/>
+    <p:sldId id="291" r:id="rId28"/>
+    <p:sldId id="292" r:id="rId29"/>
+    <p:sldId id="296" r:id="rId30"/>
     <p:sldId id="293" r:id="rId31"/>
     <p:sldId id="294" r:id="rId32"/>
   </p:sldIdLst>
@@ -590,6 +590,174 @@
           <a:bodyPr/>
           <a:lstStyle/>
           <a:p>
+            <a:fld id="{42DEF928-4489-442B-B4E2-6E33A2EA5512}" type="slidenum">
+              <a:rPr kumimoji="1" lang="ja-JP" altLang="en-US" smtClean="0"/>
+              <a:t>25</a:t>
+            </a:fld>
+            <a:endParaRPr kumimoji="1" lang="ja-JP" altLang="en-US"/>
+          </a:p>
+        </p:txBody>
+      </p:sp>
+    </p:spTree>
+    <p:extLst>
+      <p:ext uri="{BB962C8B-B14F-4D97-AF65-F5344CB8AC3E}">
+        <p14:creationId xmlns:p14="http://schemas.microsoft.com/office/powerpoint/2010/main" val="29812287"/>
+      </p:ext>
+    </p:extLst>
+  </p:cSld>
+  <p:clrMapOvr>
+    <a:masterClrMapping/>
+  </p:clrMapOvr>
+</p:notes>
+</file>
+
+<file path=ppt/notesSlides/notesSlide2.xml><?xml version="1.0" encoding="utf-8"?>
+<p:notes xmlns:a="http://schemas.openxmlformats.org/drawingml/2006/main" xmlns:r="http://schemas.openxmlformats.org/officeDocument/2006/relationships" xmlns:p="http://schemas.openxmlformats.org/presentationml/2006/main">
+  <p:cSld>
+    <p:spTree>
+      <p:nvGrpSpPr>
+        <p:cNvPr id="1" name=""/>
+        <p:cNvGrpSpPr/>
+        <p:nvPr/>
+      </p:nvGrpSpPr>
+      <p:grpSpPr>
+        <a:xfrm>
+          <a:off x="0" y="0"/>
+          <a:ext cx="0" cy="0"/>
+          <a:chOff x="0" y="0"/>
+          <a:chExt cx="0" cy="0"/>
+        </a:xfrm>
+      </p:grpSpPr>
+      <p:sp>
+        <p:nvSpPr>
+          <p:cNvPr id="2" name="スライド イメージ プレースホルダー 1"/>
+          <p:cNvSpPr>
+            <a:spLocks noGrp="1" noRot="1" noChangeAspect="1"/>
+          </p:cNvSpPr>
+          <p:nvPr>
+            <p:ph type="sldImg"/>
+          </p:nvPr>
+        </p:nvSpPr>
+        <p:spPr/>
+      </p:sp>
+      <p:sp>
+        <p:nvSpPr>
+          <p:cNvPr id="3" name="ノート プレースホルダー 2"/>
+          <p:cNvSpPr>
+            <a:spLocks noGrp="1"/>
+          </p:cNvSpPr>
+          <p:nvPr>
+            <p:ph type="body" idx="1"/>
+          </p:nvPr>
+        </p:nvSpPr>
+        <p:spPr/>
+        <p:txBody>
+          <a:bodyPr/>
+          <a:lstStyle/>
+          <a:p>
+            <a:endParaRPr kumimoji="1" lang="ja-JP" altLang="en-US" dirty="0"/>
+          </a:p>
+        </p:txBody>
+      </p:sp>
+      <p:sp>
+        <p:nvSpPr>
+          <p:cNvPr id="4" name="スライド番号プレースホルダー 3"/>
+          <p:cNvSpPr>
+            <a:spLocks noGrp="1"/>
+          </p:cNvSpPr>
+          <p:nvPr>
+            <p:ph type="sldNum" sz="quarter" idx="10"/>
+          </p:nvPr>
+        </p:nvSpPr>
+        <p:spPr/>
+        <p:txBody>
+          <a:bodyPr/>
+          <a:lstStyle/>
+          <a:p>
+            <a:fld id="{4F43D516-64A0-404A-B937-F9D53C104CBF}" type="slidenum">
+              <a:rPr kumimoji="1" lang="ja-JP" altLang="en-US" smtClean="0"/>
+              <a:t>28</a:t>
+            </a:fld>
+            <a:endParaRPr kumimoji="1" lang="ja-JP" altLang="en-US"/>
+          </a:p>
+        </p:txBody>
+      </p:sp>
+    </p:spTree>
+    <p:extLst>
+      <p:ext uri="{BB962C8B-B14F-4D97-AF65-F5344CB8AC3E}">
+        <p14:creationId xmlns:p14="http://schemas.microsoft.com/office/powerpoint/2010/main" val="3509859848"/>
+      </p:ext>
+    </p:extLst>
+  </p:cSld>
+  <p:clrMapOvr>
+    <a:masterClrMapping/>
+  </p:clrMapOvr>
+</p:notes>
+</file>
+
+<file path=ppt/notesSlides/notesSlide3.xml><?xml version="1.0" encoding="utf-8"?>
+<p:notes xmlns:a="http://schemas.openxmlformats.org/drawingml/2006/main" xmlns:r="http://schemas.openxmlformats.org/officeDocument/2006/relationships" xmlns:p="http://schemas.openxmlformats.org/presentationml/2006/main">
+  <p:cSld>
+    <p:spTree>
+      <p:nvGrpSpPr>
+        <p:cNvPr id="1" name=""/>
+        <p:cNvGrpSpPr/>
+        <p:nvPr/>
+      </p:nvGrpSpPr>
+      <p:grpSpPr>
+        <a:xfrm>
+          <a:off x="0" y="0"/>
+          <a:ext cx="0" cy="0"/>
+          <a:chOff x="0" y="0"/>
+          <a:chExt cx="0" cy="0"/>
+        </a:xfrm>
+      </p:grpSpPr>
+      <p:sp>
+        <p:nvSpPr>
+          <p:cNvPr id="2" name="スライド イメージ プレースホルダー 1"/>
+          <p:cNvSpPr>
+            <a:spLocks noGrp="1" noRot="1" noChangeAspect="1"/>
+          </p:cNvSpPr>
+          <p:nvPr>
+            <p:ph type="sldImg"/>
+          </p:nvPr>
+        </p:nvSpPr>
+        <p:spPr/>
+      </p:sp>
+      <p:sp>
+        <p:nvSpPr>
+          <p:cNvPr id="3" name="ノート プレースホルダー 2"/>
+          <p:cNvSpPr>
+            <a:spLocks noGrp="1"/>
+          </p:cNvSpPr>
+          <p:nvPr>
+            <p:ph type="body" idx="1"/>
+          </p:nvPr>
+        </p:nvSpPr>
+        <p:spPr/>
+        <p:txBody>
+          <a:bodyPr/>
+          <a:lstStyle/>
+          <a:p>
+            <a:endParaRPr kumimoji="1" lang="ja-JP" altLang="en-US" dirty="0"/>
+          </a:p>
+        </p:txBody>
+      </p:sp>
+      <p:sp>
+        <p:nvSpPr>
+          <p:cNvPr id="4" name="スライド番号プレースホルダー 3"/>
+          <p:cNvSpPr>
+            <a:spLocks noGrp="1"/>
+          </p:cNvSpPr>
+          <p:nvPr>
+            <p:ph type="sldNum" sz="quarter" idx="10"/>
+          </p:nvPr>
+        </p:nvSpPr>
+        <p:spPr/>
+        <p:txBody>
+          <a:bodyPr/>
+          <a:lstStyle/>
+          <a:p>
             <a:fld id="{4F43D516-64A0-404A-B937-F9D53C104CBF}" type="slidenum">
               <a:rPr kumimoji="1" lang="ja-JP" altLang="en-US" smtClean="0"/>
               <a:t>29</a:t>
@@ -601,7 +769,7 @@
     </p:spTree>
     <p:extLst>
       <p:ext uri="{BB962C8B-B14F-4D97-AF65-F5344CB8AC3E}">
-        <p14:creationId xmlns:p14="http://schemas.microsoft.com/office/powerpoint/2010/main" val="3509859848"/>
+        <p14:creationId xmlns:p14="http://schemas.microsoft.com/office/powerpoint/2010/main" val="88606790"/>
       </p:ext>
     </p:extLst>
   </p:cSld>
@@ -6919,150 +7087,6 @@
           <a:chExt cx="0" cy="0"/>
         </a:xfrm>
       </p:grpSpPr>
-      <p:sp>
-        <p:nvSpPr>
-          <p:cNvPr id="2" name="タイトル 1"/>
-          <p:cNvSpPr>
-            <a:spLocks noGrp="1"/>
-          </p:cNvSpPr>
-          <p:nvPr>
-            <p:ph type="title"/>
-          </p:nvPr>
-        </p:nvSpPr>
-        <p:spPr/>
-        <p:txBody>
-          <a:bodyPr/>
-          <a:lstStyle/>
-          <a:p>
-            <a:r>
-              <a:rPr lang="en-US" altLang="ja-JP" dirty="0" smtClean="0"/>
-              <a:t>4.2 </a:t>
-            </a:r>
-            <a:r>
-              <a:rPr lang="en-US" altLang="ja-JP" dirty="0"/>
-              <a:t>Predict</a:t>
-            </a:r>
-            <a:r>
-              <a:rPr lang="ja-JP" altLang="en-US" dirty="0"/>
-              <a:t>関数の出力</a:t>
-            </a:r>
-            <a:endParaRPr kumimoji="1" lang="ja-JP" altLang="en-US" dirty="0"/>
-          </a:p>
-        </p:txBody>
-      </p:sp>
-      <p:sp>
-        <p:nvSpPr>
-          <p:cNvPr id="3" name="コンテンツ プレースホルダー 2"/>
-          <p:cNvSpPr>
-            <a:spLocks noGrp="1"/>
-          </p:cNvSpPr>
-          <p:nvPr>
-            <p:ph idx="1"/>
-          </p:nvPr>
-        </p:nvSpPr>
-        <p:spPr/>
-        <p:txBody>
-          <a:bodyPr/>
-          <a:lstStyle/>
-          <a:p>
-            <a:r>
-              <a:rPr lang="ja-JP" altLang="en-US" dirty="0" smtClean="0"/>
-              <a:t>ボブの行動から</a:t>
-            </a:r>
-            <a:r>
-              <a:rPr kumimoji="1" lang="ja-JP" altLang="en-US" dirty="0" smtClean="0"/>
-              <a:t>天気を推定</a:t>
-            </a:r>
-            <a:endParaRPr kumimoji="1" lang="en-US" altLang="ja-JP" dirty="0" smtClean="0"/>
-          </a:p>
-          <a:p>
-            <a:pPr lvl="1"/>
-            <a:r>
-              <a:rPr lang="ja-JP" altLang="en-US" dirty="0" smtClean="0"/>
-              <a:t>ビタビアルゴリズムにより復号化</a:t>
-            </a:r>
-            <a:endParaRPr lang="en-US" altLang="ja-JP" dirty="0" smtClean="0"/>
-          </a:p>
-          <a:p>
-            <a:pPr lvl="1"/>
-            <a:r>
-              <a:rPr lang="ja-JP" altLang="en-US" dirty="0" smtClean="0"/>
-              <a:t>観測系列にサンプルデータを使用</a:t>
-            </a:r>
-            <a:endParaRPr lang="en-US" altLang="ja-JP" dirty="0" smtClean="0"/>
-          </a:p>
-          <a:p>
-            <a:endParaRPr kumimoji="1" lang="en-US" altLang="ja-JP" dirty="0" smtClean="0"/>
-          </a:p>
-          <a:p>
-            <a:r>
-              <a:rPr lang="ja-JP" altLang="en-US" dirty="0" smtClean="0"/>
-              <a:t>サンプルデータの天気の推移と</a:t>
-            </a:r>
-            <a:r>
-              <a:rPr lang="en-US" altLang="ja-JP" dirty="0" smtClean="0"/>
-              <a:t/>
-            </a:r>
-            <a:br>
-              <a:rPr lang="en-US" altLang="ja-JP" dirty="0" smtClean="0"/>
-            </a:br>
-            <a:r>
-              <a:rPr lang="ja-JP" altLang="en-US" dirty="0" smtClean="0"/>
-              <a:t>推定した天気の推移を比較</a:t>
-            </a:r>
-            <a:endParaRPr kumimoji="1" lang="en-US" altLang="ja-JP" dirty="0" smtClean="0"/>
-          </a:p>
-          <a:p>
-            <a:endParaRPr lang="en-US" altLang="ja-JP" dirty="0" smtClean="0"/>
-          </a:p>
-          <a:p>
-            <a:endParaRPr lang="en-US" altLang="ja-JP" dirty="0"/>
-          </a:p>
-          <a:p>
-            <a:endParaRPr kumimoji="1" lang="en-US" altLang="ja-JP" dirty="0" smtClean="0"/>
-          </a:p>
-          <a:p>
-            <a:endParaRPr kumimoji="1" lang="ja-JP" altLang="en-US" dirty="0"/>
-          </a:p>
-        </p:txBody>
-      </p:sp>
-    </p:spTree>
-    <p:extLst>
-      <p:ext uri="{BB962C8B-B14F-4D97-AF65-F5344CB8AC3E}">
-        <p14:creationId xmlns:p14="http://schemas.microsoft.com/office/powerpoint/2010/main" val="2076524974"/>
-      </p:ext>
-    </p:extLst>
-  </p:cSld>
-  <p:clrMapOvr>
-    <a:masterClrMapping/>
-  </p:clrMapOvr>
-  <p:timing>
-    <p:tnLst>
-      <p:par>
-        <p:cTn id="1" dur="indefinite" restart="never" nodeType="tmRoot"/>
-      </p:par>
-    </p:tnLst>
-  </p:timing>
-</p:sld>
-</file>
-
-<file path=ppt/slides/slide19.xml><?xml version="1.0" encoding="utf-8"?>
-<p:sld xmlns:a="http://schemas.openxmlformats.org/drawingml/2006/main" xmlns:r="http://schemas.openxmlformats.org/officeDocument/2006/relationships" xmlns:p="http://schemas.openxmlformats.org/presentationml/2006/main">
-  <p:cSld>
-    <p:spTree>
-      <p:nvGrpSpPr>
-        <p:cNvPr id="1" name=""/>
-        <p:cNvGrpSpPr/>
-        <p:nvPr/>
-      </p:nvGrpSpPr>
-      <p:grpSpPr>
-        <a:xfrm>
-          <a:off x="0" y="0"/>
-          <a:ext cx="0" cy="0"/>
-          <a:chOff x="0" y="0"/>
-          <a:chExt cx="0" cy="0"/>
-        </a:xfrm>
-      </p:grpSpPr>
       <p:pic>
         <p:nvPicPr>
           <p:cNvPr id="18" name="図 17"/>
@@ -7779,135 +7803,7 @@
 </p:sld>
 </file>
 
-<file path=ppt/slides/slide2.xml><?xml version="1.0" encoding="utf-8"?>
-<p:sld xmlns:a="http://schemas.openxmlformats.org/drawingml/2006/main" xmlns:r="http://schemas.openxmlformats.org/officeDocument/2006/relationships" xmlns:p="http://schemas.openxmlformats.org/presentationml/2006/main">
-  <p:cSld>
-    <p:spTree>
-      <p:nvGrpSpPr>
-        <p:cNvPr id="1" name=""/>
-        <p:cNvGrpSpPr/>
-        <p:nvPr/>
-      </p:nvGrpSpPr>
-      <p:grpSpPr>
-        <a:xfrm>
-          <a:off x="0" y="0"/>
-          <a:ext cx="0" cy="0"/>
-          <a:chOff x="0" y="0"/>
-          <a:chExt cx="0" cy="0"/>
-        </a:xfrm>
-      </p:grpSpPr>
-      <p:sp>
-        <p:nvSpPr>
-          <p:cNvPr id="2" name="タイトル 1"/>
-          <p:cNvSpPr>
-            <a:spLocks noGrp="1"/>
-          </p:cNvSpPr>
-          <p:nvPr>
-            <p:ph type="title"/>
-          </p:nvPr>
-        </p:nvSpPr>
-        <p:spPr>
-          <a:xfrm>
-            <a:off x="628649" y="365126"/>
-            <a:ext cx="8251739" cy="1325563"/>
-          </a:xfrm>
-        </p:spPr>
-        <p:txBody>
-          <a:bodyPr/>
-          <a:lstStyle/>
-          <a:p>
-            <a:r>
-              <a:rPr kumimoji="1" lang="en-US" altLang="ja-JP" dirty="0" smtClean="0"/>
-              <a:t>1.enshu_hmm.py</a:t>
-            </a:r>
-            <a:r>
-              <a:rPr kumimoji="1" lang="ja-JP" altLang="en-US" dirty="0" smtClean="0"/>
-              <a:t>を開く</a:t>
-            </a:r>
-            <a:endParaRPr kumimoji="1" lang="ja-JP" altLang="en-US" dirty="0"/>
-          </a:p>
-        </p:txBody>
-      </p:sp>
-      <p:sp>
-        <p:nvSpPr>
-          <p:cNvPr id="3" name="コンテンツ プレースホルダー 2"/>
-          <p:cNvSpPr>
-            <a:spLocks noGrp="1"/>
-          </p:cNvSpPr>
-          <p:nvPr>
-            <p:ph idx="1"/>
-          </p:nvPr>
-        </p:nvSpPr>
-        <p:spPr/>
-        <p:txBody>
-          <a:bodyPr/>
-          <a:lstStyle/>
-          <a:p>
-            <a:r>
-              <a:rPr kumimoji="1" lang="en-US" altLang="ja-JP" dirty="0" smtClean="0"/>
-              <a:t>enshu_hmm.py </a:t>
-            </a:r>
-            <a:r>
-              <a:rPr kumimoji="1" lang="ja-JP" altLang="en-US" dirty="0" smtClean="0"/>
-              <a:t>を</a:t>
-            </a:r>
-            <a:r>
-              <a:rPr lang="ja-JP" altLang="en-US" dirty="0" smtClean="0"/>
-              <a:t>開く</a:t>
-            </a:r>
-            <a:endParaRPr kumimoji="1" lang="en-US" altLang="ja-JP" dirty="0" smtClean="0"/>
-          </a:p>
-          <a:p>
-            <a:pPr lvl="1"/>
-            <a:r>
-              <a:rPr lang="ja-JP" altLang="en-US" dirty="0" smtClean="0"/>
-              <a:t>ホームディレクトリ内</a:t>
-            </a:r>
-            <a:r>
-              <a:rPr lang="ja-JP" altLang="en-US" dirty="0" smtClean="0"/>
-              <a:t>の</a:t>
-            </a:r>
-            <a:r>
-              <a:rPr lang="en-US" altLang="ja-JP" dirty="0" err="1" smtClean="0"/>
-              <a:t>rinko</a:t>
-            </a:r>
-            <a:r>
-              <a:rPr lang="ja-JP" altLang="en-US" dirty="0" smtClean="0"/>
-              <a:t>フォルダ内</a:t>
-            </a:r>
-            <a:r>
-              <a:rPr lang="ja-JP" altLang="en-US" dirty="0" smtClean="0"/>
-              <a:t>に</a:t>
-            </a:r>
-            <a:r>
-              <a:rPr lang="ja-JP" altLang="en-US" dirty="0" smtClean="0"/>
-              <a:t>移動</a:t>
-            </a:r>
-            <a:endParaRPr lang="en-US" altLang="ja-JP" dirty="0" smtClean="0"/>
-          </a:p>
-        </p:txBody>
-      </p:sp>
-    </p:spTree>
-    <p:extLst>
-      <p:ext uri="{BB962C8B-B14F-4D97-AF65-F5344CB8AC3E}">
-        <p14:creationId xmlns:p14="http://schemas.microsoft.com/office/powerpoint/2010/main" val="2957011578"/>
-      </p:ext>
-    </p:extLst>
-  </p:cSld>
-  <p:clrMapOvr>
-    <a:masterClrMapping/>
-  </p:clrMapOvr>
-  <p:timing>
-    <p:tnLst>
-      <p:par>
-        <p:cTn id="1" dur="indefinite" restart="never" nodeType="tmRoot"/>
-      </p:par>
-    </p:tnLst>
-  </p:timing>
-</p:sld>
-</file>
-
-<file path=ppt/slides/slide20.xml><?xml version="1.0" encoding="utf-8"?>
+<file path=ppt/slides/slide19.xml><?xml version="1.0" encoding="utf-8"?>
 <p:sld xmlns:a="http://schemas.openxmlformats.org/drawingml/2006/main" xmlns:r="http://schemas.openxmlformats.org/officeDocument/2006/relationships" xmlns:p="http://schemas.openxmlformats.org/presentationml/2006/main">
   <p:cSld>
     <p:spTree>
@@ -8051,7 +7947,127 @@
 </p:sld>
 </file>
 
-<file path=ppt/slides/slide21.xml><?xml version="1.0" encoding="utf-8"?>
+<file path=ppt/slides/slide2.xml><?xml version="1.0" encoding="utf-8"?>
+<p:sld xmlns:a="http://schemas.openxmlformats.org/drawingml/2006/main" xmlns:r="http://schemas.openxmlformats.org/officeDocument/2006/relationships" xmlns:p="http://schemas.openxmlformats.org/presentationml/2006/main">
+  <p:cSld>
+    <p:spTree>
+      <p:nvGrpSpPr>
+        <p:cNvPr id="1" name=""/>
+        <p:cNvGrpSpPr/>
+        <p:nvPr/>
+      </p:nvGrpSpPr>
+      <p:grpSpPr>
+        <a:xfrm>
+          <a:off x="0" y="0"/>
+          <a:ext cx="0" cy="0"/>
+          <a:chOff x="0" y="0"/>
+          <a:chExt cx="0" cy="0"/>
+        </a:xfrm>
+      </p:grpSpPr>
+      <p:sp>
+        <p:nvSpPr>
+          <p:cNvPr id="2" name="タイトル 1"/>
+          <p:cNvSpPr>
+            <a:spLocks noGrp="1"/>
+          </p:cNvSpPr>
+          <p:nvPr>
+            <p:ph type="title"/>
+          </p:nvPr>
+        </p:nvSpPr>
+        <p:spPr>
+          <a:xfrm>
+            <a:off x="628649" y="365126"/>
+            <a:ext cx="8251739" cy="1325563"/>
+          </a:xfrm>
+        </p:spPr>
+        <p:txBody>
+          <a:bodyPr/>
+          <a:lstStyle/>
+          <a:p>
+            <a:r>
+              <a:rPr kumimoji="1" lang="en-US" altLang="ja-JP" dirty="0" smtClean="0"/>
+              <a:t>1.enshu_hmm.py</a:t>
+            </a:r>
+            <a:r>
+              <a:rPr kumimoji="1" lang="ja-JP" altLang="en-US" dirty="0" smtClean="0"/>
+              <a:t>を開く</a:t>
+            </a:r>
+            <a:endParaRPr kumimoji="1" lang="ja-JP" altLang="en-US" dirty="0"/>
+          </a:p>
+        </p:txBody>
+      </p:sp>
+      <p:sp>
+        <p:nvSpPr>
+          <p:cNvPr id="3" name="コンテンツ プレースホルダー 2"/>
+          <p:cNvSpPr>
+            <a:spLocks noGrp="1"/>
+          </p:cNvSpPr>
+          <p:nvPr>
+            <p:ph idx="1"/>
+          </p:nvPr>
+        </p:nvSpPr>
+        <p:spPr/>
+        <p:txBody>
+          <a:bodyPr/>
+          <a:lstStyle/>
+          <a:p>
+            <a:r>
+              <a:rPr kumimoji="1" lang="en-US" altLang="ja-JP" dirty="0" smtClean="0"/>
+              <a:t>enshu_hmm.py </a:t>
+            </a:r>
+            <a:r>
+              <a:rPr kumimoji="1" lang="ja-JP" altLang="en-US" dirty="0" smtClean="0"/>
+              <a:t>を</a:t>
+            </a:r>
+            <a:r>
+              <a:rPr lang="ja-JP" altLang="en-US" dirty="0" smtClean="0"/>
+              <a:t>開く</a:t>
+            </a:r>
+            <a:endParaRPr kumimoji="1" lang="en-US" altLang="ja-JP" dirty="0" smtClean="0"/>
+          </a:p>
+          <a:p>
+            <a:pPr lvl="1"/>
+            <a:r>
+              <a:rPr lang="en-US" altLang="ja-JP" dirty="0" smtClean="0"/>
+              <a:t>home/</a:t>
+            </a:r>
+            <a:r>
+              <a:rPr lang="en-US" altLang="ja-JP" dirty="0" err="1" smtClean="0"/>
+              <a:t>rinko</a:t>
+            </a:r>
+            <a:r>
+              <a:rPr lang="en-US" altLang="ja-JP" dirty="0" smtClean="0"/>
+              <a:t>/python</a:t>
+            </a:r>
+            <a:r>
+              <a:rPr lang="ja-JP" altLang="en-US" dirty="0" smtClean="0"/>
+              <a:t>に移動</a:t>
+            </a:r>
+            <a:endParaRPr lang="en-US" altLang="ja-JP" dirty="0" smtClean="0"/>
+          </a:p>
+        </p:txBody>
+      </p:sp>
+    </p:spTree>
+    <p:extLst>
+      <p:ext uri="{BB962C8B-B14F-4D97-AF65-F5344CB8AC3E}">
+        <p14:creationId xmlns:p14="http://schemas.microsoft.com/office/powerpoint/2010/main" val="2957011578"/>
+      </p:ext>
+    </p:extLst>
+  </p:cSld>
+  <p:clrMapOvr>
+    <a:masterClrMapping/>
+  </p:clrMapOvr>
+  <p:timing>
+    <p:tnLst>
+      <p:par>
+        <p:cTn id="1" dur="indefinite" restart="never" nodeType="tmRoot"/>
+      </p:par>
+    </p:tnLst>
+  </p:timing>
+</p:sld>
+</file>
+
+<file path=ppt/slides/slide20.xml><?xml version="1.0" encoding="utf-8"?>
 <p:sld xmlns:a="http://schemas.openxmlformats.org/drawingml/2006/main" xmlns:r="http://schemas.openxmlformats.org/officeDocument/2006/relationships" xmlns:p="http://schemas.openxmlformats.org/presentationml/2006/main">
   <p:cSld>
     <p:spTree>
@@ -9027,7 +9043,7 @@
 </p:sld>
 </file>
 
-<file path=ppt/slides/slide22.xml><?xml version="1.0" encoding="utf-8"?>
+<file path=ppt/slides/slide21.xml><?xml version="1.0" encoding="utf-8"?>
 <p:sld xmlns:a="http://schemas.openxmlformats.org/drawingml/2006/main" xmlns:r="http://schemas.openxmlformats.org/officeDocument/2006/relationships" xmlns:p="http://schemas.openxmlformats.org/presentationml/2006/main">
   <p:cSld>
     <p:spTree>
@@ -10875,7 +10891,7 @@
 </p:sld>
 </file>
 
-<file path=ppt/slides/slide23.xml><?xml version="1.0" encoding="utf-8"?>
+<file path=ppt/slides/slide22.xml><?xml version="1.0" encoding="utf-8"?>
 <p:sld xmlns:a="http://schemas.openxmlformats.org/drawingml/2006/main" xmlns:r="http://schemas.openxmlformats.org/officeDocument/2006/relationships" xmlns:p="http://schemas.openxmlformats.org/presentationml/2006/main">
   <p:cSld>
     <p:spTree>
@@ -11012,7 +11028,7 @@
 </p:sld>
 </file>
 
-<file path=ppt/slides/slide24.xml><?xml version="1.0" encoding="utf-8"?>
+<file path=ppt/slides/slide23.xml><?xml version="1.0" encoding="utf-8"?>
 <p:sld xmlns:a="http://schemas.openxmlformats.org/drawingml/2006/main" xmlns:r="http://schemas.openxmlformats.org/officeDocument/2006/relationships" xmlns:p="http://schemas.openxmlformats.org/presentationml/2006/main">
   <p:cSld>
     <p:spTree>
@@ -12133,6 +12149,162 @@
 </p:sld>
 </file>
 
+<file path=ppt/slides/slide24.xml><?xml version="1.0" encoding="utf-8"?>
+<p:sld xmlns:a="http://schemas.openxmlformats.org/drawingml/2006/main" xmlns:r="http://schemas.openxmlformats.org/officeDocument/2006/relationships" xmlns:p="http://schemas.openxmlformats.org/presentationml/2006/main">
+  <p:cSld>
+    <p:spTree>
+      <p:nvGrpSpPr>
+        <p:cNvPr id="1" name=""/>
+        <p:cNvGrpSpPr/>
+        <p:nvPr/>
+      </p:nvGrpSpPr>
+      <p:grpSpPr>
+        <a:xfrm>
+          <a:off x="0" y="0"/>
+          <a:ext cx="0" cy="0"/>
+          <a:chOff x="0" y="0"/>
+          <a:chExt cx="0" cy="0"/>
+        </a:xfrm>
+      </p:grpSpPr>
+      <p:sp>
+        <p:nvSpPr>
+          <p:cNvPr id="2" name="タイトル 1"/>
+          <p:cNvSpPr>
+            <a:spLocks noGrp="1"/>
+          </p:cNvSpPr>
+          <p:nvPr>
+            <p:ph type="title"/>
+          </p:nvPr>
+        </p:nvSpPr>
+        <p:spPr/>
+        <p:txBody>
+          <a:bodyPr/>
+          <a:lstStyle/>
+          <a:p>
+            <a:r>
+              <a:rPr lang="ja-JP" altLang="en-US" dirty="0"/>
+              <a:t>実習</a:t>
+            </a:r>
+            <a:endParaRPr kumimoji="1" lang="ja-JP" altLang="en-US" dirty="0"/>
+          </a:p>
+        </p:txBody>
+      </p:sp>
+      <p:sp>
+        <p:nvSpPr>
+          <p:cNvPr id="3" name="コンテンツ プレースホルダー 2"/>
+          <p:cNvSpPr>
+            <a:spLocks noGrp="1"/>
+          </p:cNvSpPr>
+          <p:nvPr>
+            <p:ph idx="1"/>
+          </p:nvPr>
+        </p:nvSpPr>
+        <p:spPr/>
+        <p:txBody>
+          <a:bodyPr/>
+          <a:lstStyle/>
+          <a:p>
+            <a:r>
+              <a:rPr kumimoji="1" lang="ja-JP" altLang="en-US" dirty="0" smtClean="0"/>
+              <a:t>配布した資料の統計情報よりパラメータを計算</a:t>
+            </a:r>
+            <a:endParaRPr kumimoji="1" lang="en-US" altLang="ja-JP" dirty="0" smtClean="0"/>
+          </a:p>
+          <a:p>
+            <a:endParaRPr lang="en-US" altLang="ja-JP" dirty="0"/>
+          </a:p>
+          <a:p>
+            <a:pPr lvl="1"/>
+            <a:r>
+              <a:rPr lang="ja-JP" altLang="en-US" dirty="0" smtClean="0"/>
+              <a:t>晴→晴</a:t>
+            </a:r>
+            <a:r>
+              <a:rPr lang="en-US" altLang="ja-JP" dirty="0" smtClean="0"/>
+              <a:t>, </a:t>
+            </a:r>
+            <a:r>
+              <a:rPr lang="ja-JP" altLang="en-US" dirty="0" smtClean="0"/>
+              <a:t> 晴→雨</a:t>
+            </a:r>
+            <a:r>
+              <a:rPr lang="en-US" altLang="ja-JP" dirty="0" smtClean="0"/>
+              <a:t>,  </a:t>
+            </a:r>
+            <a:r>
+              <a:rPr lang="ja-JP" altLang="en-US" dirty="0" smtClean="0"/>
+              <a:t>雨→晴</a:t>
+            </a:r>
+            <a:r>
+              <a:rPr lang="en-US" altLang="ja-JP" dirty="0" smtClean="0"/>
+              <a:t>,  </a:t>
+            </a:r>
+            <a:r>
+              <a:rPr lang="ja-JP" altLang="en-US" dirty="0" smtClean="0"/>
+              <a:t>雨→雨</a:t>
+            </a:r>
+            <a:endParaRPr lang="en-US" altLang="ja-JP" dirty="0" smtClean="0"/>
+          </a:p>
+          <a:p>
+            <a:pPr lvl="1"/>
+            <a:r>
+              <a:rPr kumimoji="1" lang="ja-JP" altLang="en-US" dirty="0" smtClean="0"/>
+              <a:t>晴のとき</a:t>
+            </a:r>
+            <a:r>
+              <a:rPr kumimoji="1" lang="en-US" altLang="ja-JP" dirty="0" smtClean="0"/>
+              <a:t>,</a:t>
+            </a:r>
+            <a:r>
+              <a:rPr kumimoji="1" lang="ja-JP" altLang="en-US" dirty="0" smtClean="0"/>
+              <a:t>雨のとき の各行動の確率</a:t>
+            </a:r>
+            <a:endParaRPr kumimoji="1" lang="en-US" altLang="ja-JP" dirty="0" smtClean="0"/>
+          </a:p>
+          <a:p>
+            <a:pPr marL="457200" lvl="1" indent="0">
+              <a:buNone/>
+            </a:pPr>
+            <a:r>
+              <a:rPr lang="en-US" altLang="ja-JP" dirty="0" smtClean="0"/>
+              <a:t>						</a:t>
+            </a:r>
+            <a:r>
+              <a:rPr lang="ja-JP" altLang="en-US" dirty="0" smtClean="0"/>
+              <a:t>を計算</a:t>
+            </a:r>
+            <a:endParaRPr lang="en-US" altLang="ja-JP" dirty="0"/>
+          </a:p>
+          <a:p>
+            <a:pPr lvl="1"/>
+            <a:endParaRPr kumimoji="1" lang="en-US" altLang="ja-JP" dirty="0" smtClean="0"/>
+          </a:p>
+          <a:p>
+            <a:pPr lvl="1"/>
+            <a:endParaRPr kumimoji="1" lang="ja-JP" altLang="en-US" dirty="0"/>
+          </a:p>
+        </p:txBody>
+      </p:sp>
+    </p:spTree>
+    <p:extLst>
+      <p:ext uri="{BB962C8B-B14F-4D97-AF65-F5344CB8AC3E}">
+        <p14:creationId xmlns:p14="http://schemas.microsoft.com/office/powerpoint/2010/main" val="220274891"/>
+      </p:ext>
+    </p:extLst>
+  </p:cSld>
+  <p:clrMapOvr>
+    <a:masterClrMapping/>
+  </p:clrMapOvr>
+  <p:timing>
+    <p:tnLst>
+      <p:par>
+        <p:cTn id="1" dur="indefinite" restart="never" nodeType="tmRoot"/>
+      </p:par>
+    </p:tnLst>
+  </p:timing>
+</p:sld>
+</file>
+
 <file path=ppt/slides/slide25.xml><?xml version="1.0" encoding="utf-8"?>
 <p:sld xmlns:a="http://schemas.openxmlformats.org/drawingml/2006/main" xmlns:r="http://schemas.openxmlformats.org/officeDocument/2006/relationships" xmlns:p="http://schemas.openxmlformats.org/presentationml/2006/main">
   <p:cSld>
@@ -12152,6 +12324,82 @@
       </p:grpSpPr>
       <p:sp>
         <p:nvSpPr>
+          <p:cNvPr id="22" name="正方形/長方形 21"/>
+          <p:cNvSpPr/>
+          <p:nvPr/>
+        </p:nvSpPr>
+        <p:spPr>
+          <a:xfrm>
+            <a:off x="542982" y="3413398"/>
+            <a:ext cx="8058034" cy="3337470"/>
+          </a:xfrm>
+          <a:prstGeom prst="rect">
+            <a:avLst/>
+          </a:prstGeom>
+          <a:solidFill>
+            <a:schemeClr val="tx1"/>
+          </a:solidFill>
+          <a:ln>
+            <a:noFill/>
+          </a:ln>
+        </p:spPr>
+        <p:style>
+          <a:lnRef idx="2">
+            <a:schemeClr val="accent1">
+              <a:shade val="50000"/>
+            </a:schemeClr>
+          </a:lnRef>
+          <a:fillRef idx="1">
+            <a:schemeClr val="accent1"/>
+          </a:fillRef>
+          <a:effectRef idx="0">
+            <a:schemeClr val="accent1"/>
+          </a:effectRef>
+          <a:fontRef idx="minor">
+            <a:schemeClr val="lt1"/>
+          </a:fontRef>
+        </p:style>
+        <p:txBody>
+          <a:bodyPr rtlCol="0" anchor="ctr"/>
+          <a:lstStyle/>
+          <a:p>
+            <a:pPr algn="ctr"/>
+            <a:endParaRPr kumimoji="1" lang="ja-JP" altLang="en-US"/>
+          </a:p>
+        </p:txBody>
+      </p:sp>
+      <p:pic>
+        <p:nvPicPr>
+          <p:cNvPr id="4" name="図 3"/>
+          <p:cNvPicPr>
+            <a:picLocks noChangeAspect="1"/>
+          </p:cNvPicPr>
+          <p:nvPr/>
+        </p:nvPicPr>
+        <p:blipFill>
+          <a:blip r:embed="rId3">
+            <a:extLst>
+              <a:ext uri="{28A0092B-C50C-407E-A947-70E740481C1C}">
+                <a14:useLocalDpi xmlns:a14="http://schemas.microsoft.com/office/drawing/2010/main" val="0"/>
+              </a:ext>
+            </a:extLst>
+          </a:blip>
+          <a:stretch>
+            <a:fillRect/>
+          </a:stretch>
+        </p:blipFill>
+        <p:spPr>
+          <a:xfrm>
+            <a:off x="771747" y="3690969"/>
+            <a:ext cx="7600505" cy="2782329"/>
+          </a:xfrm>
+          <a:prstGeom prst="rect">
+            <a:avLst/>
+          </a:prstGeom>
+        </p:spPr>
+      </p:pic>
+      <p:sp>
+        <p:nvSpPr>
           <p:cNvPr id="2" name="タイトル 1"/>
           <p:cNvSpPr>
             <a:spLocks noGrp="1"/>
@@ -12166,8 +12414,8 @@
           <a:lstStyle/>
           <a:p>
             <a:r>
-              <a:rPr lang="ja-JP" altLang="en-US" dirty="0"/>
-              <a:t>実習</a:t>
+              <a:rPr kumimoji="1" lang="ja-JP" altLang="en-US" dirty="0" smtClean="0"/>
+              <a:t>プログラムを動かす</a:t>
             </a:r>
             <a:endParaRPr kumimoji="1" lang="ja-JP" altLang="en-US" dirty="0"/>
           </a:p>
@@ -12183,104 +12431,657 @@
             <p:ph idx="1"/>
           </p:nvPr>
         </p:nvSpPr>
-        <p:spPr/>
+        <p:spPr>
+          <a:xfrm>
+            <a:off x="628650" y="1825625"/>
+            <a:ext cx="8274050" cy="4351338"/>
+          </a:xfrm>
+        </p:spPr>
         <p:txBody>
           <a:bodyPr/>
           <a:lstStyle/>
           <a:p>
             <a:r>
               <a:rPr kumimoji="1" lang="ja-JP" altLang="en-US" dirty="0" smtClean="0"/>
-              <a:t>配布した資料の統計情報</a:t>
+              <a:t>計算したパラメータをプログラムに</a:t>
+            </a:r>
+            <a:r>
+              <a:rPr lang="ja-JP" altLang="en-US" dirty="0"/>
+              <a:t>書き込</a:t>
+            </a:r>
+            <a:r>
+              <a:rPr lang="ja-JP" altLang="en-US" dirty="0" smtClean="0"/>
+              <a:t>む</a:t>
             </a:r>
             <a:r>
               <a:rPr kumimoji="1" lang="ja-JP" altLang="en-US" dirty="0" smtClean="0"/>
-              <a:t>よりパラメータ</a:t>
-            </a:r>
-            <a:r>
-              <a:rPr kumimoji="1" lang="ja-JP" altLang="en-US" dirty="0" smtClean="0"/>
-              <a:t>を計算</a:t>
-            </a:r>
-            <a:endParaRPr kumimoji="1" lang="en-US" altLang="ja-JP" dirty="0" smtClean="0"/>
-          </a:p>
-          <a:p>
-            <a:endParaRPr lang="en-US" altLang="ja-JP" dirty="0"/>
-          </a:p>
-          <a:p>
-            <a:pPr lvl="1"/>
-            <a:r>
-              <a:rPr lang="ja-JP" altLang="en-US" dirty="0" smtClean="0"/>
-              <a:t>晴→晴</a:t>
-            </a:r>
-            <a:r>
-              <a:rPr lang="en-US" altLang="ja-JP" dirty="0" smtClean="0"/>
-              <a:t>, </a:t>
-            </a:r>
-            <a:r>
-              <a:rPr lang="ja-JP" altLang="en-US" dirty="0" smtClean="0"/>
-              <a:t> 晴→雨</a:t>
-            </a:r>
-            <a:r>
-              <a:rPr lang="en-US" altLang="ja-JP" dirty="0" smtClean="0"/>
-              <a:t>,  </a:t>
-            </a:r>
-            <a:r>
-              <a:rPr lang="ja-JP" altLang="en-US" dirty="0" smtClean="0"/>
-              <a:t>雨→晴</a:t>
-            </a:r>
-            <a:r>
-              <a:rPr lang="en-US" altLang="ja-JP" dirty="0" smtClean="0"/>
-              <a:t>,  </a:t>
-            </a:r>
-            <a:r>
-              <a:rPr lang="ja-JP" altLang="en-US" dirty="0" smtClean="0"/>
-              <a:t>雨→雨</a:t>
-            </a:r>
-            <a:endParaRPr lang="en-US" altLang="ja-JP" dirty="0" smtClean="0"/>
-          </a:p>
-          <a:p>
-            <a:pPr lvl="1"/>
-            <a:r>
-              <a:rPr kumimoji="1" lang="ja-JP" altLang="en-US" dirty="0" smtClean="0"/>
-              <a:t>晴のとき</a:t>
-            </a:r>
-            <a:r>
-              <a:rPr kumimoji="1" lang="en-US" altLang="ja-JP" dirty="0" smtClean="0"/>
-              <a:t>,</a:t>
-            </a:r>
-            <a:r>
-              <a:rPr kumimoji="1" lang="ja-JP" altLang="en-US" dirty="0" smtClean="0"/>
-              <a:t>雨のとき の各行動の確率</a:t>
-            </a:r>
-            <a:endParaRPr kumimoji="1" lang="en-US" altLang="ja-JP" dirty="0" smtClean="0"/>
-          </a:p>
-          <a:p>
-            <a:pPr marL="457200" lvl="1" indent="0">
-              <a:buNone/>
-            </a:pPr>
-            <a:r>
-              <a:rPr lang="en-US" altLang="ja-JP" dirty="0" smtClean="0"/>
-              <a:t>						</a:t>
-            </a:r>
-            <a:r>
-              <a:rPr lang="ja-JP" altLang="en-US" dirty="0" smtClean="0"/>
-              <a:t>を計算</a:t>
-            </a:r>
-            <a:endParaRPr lang="en-US" altLang="ja-JP" dirty="0"/>
-          </a:p>
-          <a:p>
-            <a:pPr lvl="1"/>
-            <a:endParaRPr kumimoji="1" lang="en-US" altLang="ja-JP" dirty="0" smtClean="0"/>
-          </a:p>
-          <a:p>
-            <a:pPr lvl="1"/>
+              <a:t>実行</a:t>
+            </a:r>
             <a:endParaRPr kumimoji="1" lang="ja-JP" altLang="en-US" dirty="0"/>
+          </a:p>
+        </p:txBody>
+      </p:sp>
+      <p:sp>
+        <p:nvSpPr>
+          <p:cNvPr id="5" name="テキスト ボックス 4"/>
+          <p:cNvSpPr txBox="1"/>
+          <p:nvPr/>
+        </p:nvSpPr>
+        <p:spPr>
+          <a:xfrm>
+            <a:off x="1135507" y="2440527"/>
+            <a:ext cx="7903189" cy="954107"/>
+          </a:xfrm>
+          <a:prstGeom prst="rect">
+            <a:avLst/>
+          </a:prstGeom>
+          <a:noFill/>
+        </p:spPr>
+        <p:txBody>
+          <a:bodyPr wrap="none" rtlCol="0">
+            <a:spAutoFit/>
+          </a:bodyPr>
+          <a:lstStyle/>
+          <a:p>
+            <a:r>
+              <a:rPr lang="en-US" altLang="ja-JP" sz="2800" dirty="0" smtClean="0"/>
+              <a:t>- kadai.py</a:t>
+            </a:r>
+            <a:r>
+              <a:rPr lang="ja-JP" altLang="en-US" sz="2800" dirty="0" smtClean="0"/>
+              <a:t>の関数 </a:t>
+            </a:r>
+            <a:r>
+              <a:rPr lang="en-US" altLang="ja-JP" sz="2800" dirty="0" err="1" smtClean="0"/>
+              <a:t>def_param</a:t>
+            </a:r>
+            <a:r>
+              <a:rPr lang="en-US" altLang="ja-JP" sz="2800" dirty="0" smtClean="0"/>
+              <a:t> </a:t>
+            </a:r>
+            <a:r>
+              <a:rPr lang="ja-JP" altLang="en-US" sz="2800" dirty="0" smtClean="0"/>
+              <a:t>内の確率を書き込む</a:t>
+            </a:r>
+            <a:endParaRPr lang="en-US" altLang="ja-JP" sz="2800" dirty="0" smtClean="0"/>
+          </a:p>
+          <a:p>
+            <a:r>
+              <a:rPr lang="en-US" altLang="ja-JP" sz="2800" dirty="0" smtClean="0"/>
+              <a:t>- </a:t>
+            </a:r>
+            <a:r>
+              <a:rPr lang="en-US" altLang="ja-JP" sz="2800" dirty="0" smtClean="0">
+                <a:solidFill>
+                  <a:srgbClr val="C00000"/>
+                </a:solidFill>
+              </a:rPr>
+              <a:t>$python kadai.py   </a:t>
+            </a:r>
+            <a:r>
+              <a:rPr lang="ja-JP" altLang="en-US" sz="2800" dirty="0" smtClean="0"/>
+              <a:t>で実行</a:t>
+            </a:r>
+            <a:endParaRPr lang="en-US" altLang="ja-JP" sz="2800" dirty="0"/>
+          </a:p>
+        </p:txBody>
+      </p:sp>
+      <p:sp>
+        <p:nvSpPr>
+          <p:cNvPr id="10" name="正方形/長方形 9"/>
+          <p:cNvSpPr/>
+          <p:nvPr/>
+        </p:nvSpPr>
+        <p:spPr>
+          <a:xfrm>
+            <a:off x="2111970" y="3690969"/>
+            <a:ext cx="371062" cy="246307"/>
+          </a:xfrm>
+          <a:prstGeom prst="rect">
+            <a:avLst/>
+          </a:prstGeom>
+          <a:solidFill>
+            <a:schemeClr val="bg1"/>
+          </a:solidFill>
+          <a:ln>
+            <a:noFill/>
+          </a:ln>
+        </p:spPr>
+        <p:style>
+          <a:lnRef idx="2">
+            <a:schemeClr val="accent1">
+              <a:shade val="50000"/>
+            </a:schemeClr>
+          </a:lnRef>
+          <a:fillRef idx="1">
+            <a:schemeClr val="accent1"/>
+          </a:fillRef>
+          <a:effectRef idx="0">
+            <a:schemeClr val="accent1"/>
+          </a:effectRef>
+          <a:fontRef idx="minor">
+            <a:schemeClr val="lt1"/>
+          </a:fontRef>
+        </p:style>
+        <p:txBody>
+          <a:bodyPr rtlCol="0" anchor="ctr"/>
+          <a:lstStyle/>
+          <a:p>
+            <a:pPr algn="ctr"/>
+            <a:endParaRPr kumimoji="1" lang="ja-JP" altLang="en-US"/>
+          </a:p>
+        </p:txBody>
+      </p:sp>
+      <p:sp>
+        <p:nvSpPr>
+          <p:cNvPr id="11" name="正方形/長方形 10"/>
+          <p:cNvSpPr/>
+          <p:nvPr/>
+        </p:nvSpPr>
+        <p:spPr>
+          <a:xfrm>
+            <a:off x="3551347" y="3721357"/>
+            <a:ext cx="371061" cy="246307"/>
+          </a:xfrm>
+          <a:prstGeom prst="rect">
+            <a:avLst/>
+          </a:prstGeom>
+          <a:solidFill>
+            <a:schemeClr val="bg1"/>
+          </a:solidFill>
+          <a:ln>
+            <a:noFill/>
+          </a:ln>
+        </p:spPr>
+        <p:style>
+          <a:lnRef idx="2">
+            <a:schemeClr val="accent1">
+              <a:shade val="50000"/>
+            </a:schemeClr>
+          </a:lnRef>
+          <a:fillRef idx="1">
+            <a:schemeClr val="accent1"/>
+          </a:fillRef>
+          <a:effectRef idx="0">
+            <a:schemeClr val="accent1"/>
+          </a:effectRef>
+          <a:fontRef idx="minor">
+            <a:schemeClr val="lt1"/>
+          </a:fontRef>
+        </p:style>
+        <p:txBody>
+          <a:bodyPr rtlCol="0" anchor="ctr"/>
+          <a:lstStyle/>
+          <a:p>
+            <a:pPr algn="ctr"/>
+            <a:endParaRPr kumimoji="1" lang="ja-JP" altLang="en-US"/>
+          </a:p>
+        </p:txBody>
+      </p:sp>
+      <p:sp>
+        <p:nvSpPr>
+          <p:cNvPr id="12" name="正方形/長方形 11"/>
+          <p:cNvSpPr/>
+          <p:nvPr/>
+        </p:nvSpPr>
+        <p:spPr>
+          <a:xfrm>
+            <a:off x="2829694" y="4446574"/>
+            <a:ext cx="371061" cy="246307"/>
+          </a:xfrm>
+          <a:prstGeom prst="rect">
+            <a:avLst/>
+          </a:prstGeom>
+          <a:solidFill>
+            <a:schemeClr val="bg1"/>
+          </a:solidFill>
+          <a:ln>
+            <a:noFill/>
+          </a:ln>
+        </p:spPr>
+        <p:style>
+          <a:lnRef idx="2">
+            <a:schemeClr val="accent1">
+              <a:shade val="50000"/>
+            </a:schemeClr>
+          </a:lnRef>
+          <a:fillRef idx="1">
+            <a:schemeClr val="accent1"/>
+          </a:fillRef>
+          <a:effectRef idx="0">
+            <a:schemeClr val="accent1"/>
+          </a:effectRef>
+          <a:fontRef idx="minor">
+            <a:schemeClr val="lt1"/>
+          </a:fontRef>
+        </p:style>
+        <p:txBody>
+          <a:bodyPr rtlCol="0" anchor="ctr"/>
+          <a:lstStyle/>
+          <a:p>
+            <a:pPr algn="ctr"/>
+            <a:endParaRPr kumimoji="1" lang="ja-JP" altLang="en-US"/>
+          </a:p>
+        </p:txBody>
+      </p:sp>
+      <p:sp>
+        <p:nvSpPr>
+          <p:cNvPr id="13" name="正方形/長方形 12"/>
+          <p:cNvSpPr/>
+          <p:nvPr/>
+        </p:nvSpPr>
+        <p:spPr>
+          <a:xfrm>
+            <a:off x="4298580" y="4416338"/>
+            <a:ext cx="366185" cy="276543"/>
+          </a:xfrm>
+          <a:prstGeom prst="rect">
+            <a:avLst/>
+          </a:prstGeom>
+          <a:solidFill>
+            <a:schemeClr val="bg1"/>
+          </a:solidFill>
+          <a:ln>
+            <a:noFill/>
+          </a:ln>
+        </p:spPr>
+        <p:style>
+          <a:lnRef idx="2">
+            <a:schemeClr val="accent1">
+              <a:shade val="50000"/>
+            </a:schemeClr>
+          </a:lnRef>
+          <a:fillRef idx="1">
+            <a:schemeClr val="accent1"/>
+          </a:fillRef>
+          <a:effectRef idx="0">
+            <a:schemeClr val="accent1"/>
+          </a:effectRef>
+          <a:fontRef idx="minor">
+            <a:schemeClr val="lt1"/>
+          </a:fontRef>
+        </p:style>
+        <p:txBody>
+          <a:bodyPr rtlCol="0" anchor="ctr"/>
+          <a:lstStyle/>
+          <a:p>
+            <a:pPr algn="ctr"/>
+            <a:endParaRPr kumimoji="1" lang="ja-JP" altLang="en-US"/>
+          </a:p>
+        </p:txBody>
+      </p:sp>
+      <p:sp>
+        <p:nvSpPr>
+          <p:cNvPr id="14" name="正方形/長方形 13"/>
+          <p:cNvSpPr/>
+          <p:nvPr/>
+        </p:nvSpPr>
+        <p:spPr>
+          <a:xfrm>
+            <a:off x="3086773" y="4696529"/>
+            <a:ext cx="371061" cy="246307"/>
+          </a:xfrm>
+          <a:prstGeom prst="rect">
+            <a:avLst/>
+          </a:prstGeom>
+          <a:solidFill>
+            <a:schemeClr val="bg1"/>
+          </a:solidFill>
+          <a:ln>
+            <a:noFill/>
+          </a:ln>
+        </p:spPr>
+        <p:style>
+          <a:lnRef idx="2">
+            <a:schemeClr val="accent1">
+              <a:shade val="50000"/>
+            </a:schemeClr>
+          </a:lnRef>
+          <a:fillRef idx="1">
+            <a:schemeClr val="accent1"/>
+          </a:fillRef>
+          <a:effectRef idx="0">
+            <a:schemeClr val="accent1"/>
+          </a:effectRef>
+          <a:fontRef idx="minor">
+            <a:schemeClr val="lt1"/>
+          </a:fontRef>
+        </p:style>
+        <p:txBody>
+          <a:bodyPr rtlCol="0" anchor="ctr"/>
+          <a:lstStyle/>
+          <a:p>
+            <a:pPr algn="ctr"/>
+            <a:endParaRPr kumimoji="1" lang="ja-JP" altLang="en-US"/>
+          </a:p>
+        </p:txBody>
+      </p:sp>
+      <p:sp>
+        <p:nvSpPr>
+          <p:cNvPr id="15" name="正方形/長方形 14"/>
+          <p:cNvSpPr/>
+          <p:nvPr/>
+        </p:nvSpPr>
+        <p:spPr>
+          <a:xfrm>
+            <a:off x="4535384" y="4715181"/>
+            <a:ext cx="371061" cy="246307"/>
+          </a:xfrm>
+          <a:prstGeom prst="rect">
+            <a:avLst/>
+          </a:prstGeom>
+          <a:solidFill>
+            <a:schemeClr val="bg1"/>
+          </a:solidFill>
+          <a:ln>
+            <a:noFill/>
+          </a:ln>
+        </p:spPr>
+        <p:style>
+          <a:lnRef idx="2">
+            <a:schemeClr val="accent1">
+              <a:shade val="50000"/>
+            </a:schemeClr>
+          </a:lnRef>
+          <a:fillRef idx="1">
+            <a:schemeClr val="accent1"/>
+          </a:fillRef>
+          <a:effectRef idx="0">
+            <a:schemeClr val="accent1"/>
+          </a:effectRef>
+          <a:fontRef idx="minor">
+            <a:schemeClr val="lt1"/>
+          </a:fontRef>
+        </p:style>
+        <p:txBody>
+          <a:bodyPr rtlCol="0" anchor="ctr"/>
+          <a:lstStyle/>
+          <a:p>
+            <a:pPr algn="ctr"/>
+            <a:endParaRPr kumimoji="1" lang="ja-JP" altLang="en-US"/>
+          </a:p>
+        </p:txBody>
+      </p:sp>
+      <p:sp>
+        <p:nvSpPr>
+          <p:cNvPr id="16" name="正方形/長方形 15"/>
+          <p:cNvSpPr/>
+          <p:nvPr/>
+        </p:nvSpPr>
+        <p:spPr>
+          <a:xfrm>
+            <a:off x="3077458" y="5689828"/>
+            <a:ext cx="371061" cy="246307"/>
+          </a:xfrm>
+          <a:prstGeom prst="rect">
+            <a:avLst/>
+          </a:prstGeom>
+          <a:solidFill>
+            <a:schemeClr val="bg1"/>
+          </a:solidFill>
+          <a:ln>
+            <a:noFill/>
+          </a:ln>
+        </p:spPr>
+        <p:style>
+          <a:lnRef idx="2">
+            <a:schemeClr val="accent1">
+              <a:shade val="50000"/>
+            </a:schemeClr>
+          </a:lnRef>
+          <a:fillRef idx="1">
+            <a:schemeClr val="accent1"/>
+          </a:fillRef>
+          <a:effectRef idx="0">
+            <a:schemeClr val="accent1"/>
+          </a:effectRef>
+          <a:fontRef idx="minor">
+            <a:schemeClr val="lt1"/>
+          </a:fontRef>
+        </p:style>
+        <p:txBody>
+          <a:bodyPr rtlCol="0" anchor="ctr"/>
+          <a:lstStyle/>
+          <a:p>
+            <a:pPr algn="ctr"/>
+            <a:endParaRPr kumimoji="1" lang="ja-JP" altLang="en-US"/>
+          </a:p>
+        </p:txBody>
+      </p:sp>
+      <p:sp>
+        <p:nvSpPr>
+          <p:cNvPr id="17" name="正方形/長方形 16"/>
+          <p:cNvSpPr/>
+          <p:nvPr/>
+        </p:nvSpPr>
+        <p:spPr>
+          <a:xfrm>
+            <a:off x="6147390" y="5707585"/>
+            <a:ext cx="371061" cy="246307"/>
+          </a:xfrm>
+          <a:prstGeom prst="rect">
+            <a:avLst/>
+          </a:prstGeom>
+          <a:solidFill>
+            <a:schemeClr val="bg1"/>
+          </a:solidFill>
+          <a:ln>
+            <a:noFill/>
+          </a:ln>
+        </p:spPr>
+        <p:style>
+          <a:lnRef idx="2">
+            <a:schemeClr val="accent1">
+              <a:shade val="50000"/>
+            </a:schemeClr>
+          </a:lnRef>
+          <a:fillRef idx="1">
+            <a:schemeClr val="accent1"/>
+          </a:fillRef>
+          <a:effectRef idx="0">
+            <a:schemeClr val="accent1"/>
+          </a:effectRef>
+          <a:fontRef idx="minor">
+            <a:schemeClr val="lt1"/>
+          </a:fontRef>
+        </p:style>
+        <p:txBody>
+          <a:bodyPr rtlCol="0" anchor="ctr"/>
+          <a:lstStyle/>
+          <a:p>
+            <a:pPr algn="ctr"/>
+            <a:endParaRPr kumimoji="1" lang="ja-JP" altLang="en-US"/>
+          </a:p>
+        </p:txBody>
+      </p:sp>
+      <p:sp>
+        <p:nvSpPr>
+          <p:cNvPr id="18" name="正方形/長方形 17"/>
+          <p:cNvSpPr/>
+          <p:nvPr/>
+        </p:nvSpPr>
+        <p:spPr>
+          <a:xfrm>
+            <a:off x="4957719" y="5949237"/>
+            <a:ext cx="371061" cy="246307"/>
+          </a:xfrm>
+          <a:prstGeom prst="rect">
+            <a:avLst/>
+          </a:prstGeom>
+          <a:solidFill>
+            <a:schemeClr val="bg1"/>
+          </a:solidFill>
+          <a:ln>
+            <a:noFill/>
+          </a:ln>
+        </p:spPr>
+        <p:style>
+          <a:lnRef idx="2">
+            <a:schemeClr val="accent1">
+              <a:shade val="50000"/>
+            </a:schemeClr>
+          </a:lnRef>
+          <a:fillRef idx="1">
+            <a:schemeClr val="accent1"/>
+          </a:fillRef>
+          <a:effectRef idx="0">
+            <a:schemeClr val="accent1"/>
+          </a:effectRef>
+          <a:fontRef idx="minor">
+            <a:schemeClr val="lt1"/>
+          </a:fontRef>
+        </p:style>
+        <p:txBody>
+          <a:bodyPr rtlCol="0" anchor="ctr"/>
+          <a:lstStyle/>
+          <a:p>
+            <a:pPr algn="ctr"/>
+            <a:endParaRPr kumimoji="1" lang="ja-JP" altLang="en-US"/>
+          </a:p>
+        </p:txBody>
+      </p:sp>
+      <p:sp>
+        <p:nvSpPr>
+          <p:cNvPr id="19" name="正方形/長方形 18"/>
+          <p:cNvSpPr/>
+          <p:nvPr/>
+        </p:nvSpPr>
+        <p:spPr>
+          <a:xfrm>
+            <a:off x="6384194" y="5949237"/>
+            <a:ext cx="371061" cy="246307"/>
+          </a:xfrm>
+          <a:prstGeom prst="rect">
+            <a:avLst/>
+          </a:prstGeom>
+          <a:solidFill>
+            <a:schemeClr val="bg1"/>
+          </a:solidFill>
+          <a:ln>
+            <a:noFill/>
+          </a:ln>
+        </p:spPr>
+        <p:style>
+          <a:lnRef idx="2">
+            <a:schemeClr val="accent1">
+              <a:shade val="50000"/>
+            </a:schemeClr>
+          </a:lnRef>
+          <a:fillRef idx="1">
+            <a:schemeClr val="accent1"/>
+          </a:fillRef>
+          <a:effectRef idx="0">
+            <a:schemeClr val="accent1"/>
+          </a:effectRef>
+          <a:fontRef idx="minor">
+            <a:schemeClr val="lt1"/>
+          </a:fontRef>
+        </p:style>
+        <p:txBody>
+          <a:bodyPr rtlCol="0" anchor="ctr"/>
+          <a:lstStyle/>
+          <a:p>
+            <a:pPr algn="ctr"/>
+            <a:endParaRPr kumimoji="1" lang="ja-JP" altLang="en-US"/>
+          </a:p>
+        </p:txBody>
+      </p:sp>
+      <p:sp>
+        <p:nvSpPr>
+          <p:cNvPr id="20" name="正方形/長方形 19"/>
+          <p:cNvSpPr/>
+          <p:nvPr/>
+        </p:nvSpPr>
+        <p:spPr>
+          <a:xfrm>
+            <a:off x="4720914" y="5687559"/>
+            <a:ext cx="422336" cy="243097"/>
+          </a:xfrm>
+          <a:prstGeom prst="rect">
+            <a:avLst/>
+          </a:prstGeom>
+          <a:solidFill>
+            <a:schemeClr val="bg1"/>
+          </a:solidFill>
+          <a:ln>
+            <a:noFill/>
+          </a:ln>
+        </p:spPr>
+        <p:style>
+          <a:lnRef idx="2">
+            <a:schemeClr val="accent1">
+              <a:shade val="50000"/>
+            </a:schemeClr>
+          </a:lnRef>
+          <a:fillRef idx="1">
+            <a:schemeClr val="accent1"/>
+          </a:fillRef>
+          <a:effectRef idx="0">
+            <a:schemeClr val="accent1"/>
+          </a:effectRef>
+          <a:fontRef idx="minor">
+            <a:schemeClr val="lt1"/>
+          </a:fontRef>
+        </p:style>
+        <p:txBody>
+          <a:bodyPr rtlCol="0" anchor="ctr"/>
+          <a:lstStyle/>
+          <a:p>
+            <a:pPr algn="ctr"/>
+            <a:endParaRPr kumimoji="1" lang="ja-JP" altLang="en-US"/>
+          </a:p>
+        </p:txBody>
+      </p:sp>
+      <p:sp>
+        <p:nvSpPr>
+          <p:cNvPr id="21" name="正方形/長方形 20"/>
+          <p:cNvSpPr/>
+          <p:nvPr/>
+        </p:nvSpPr>
+        <p:spPr>
+          <a:xfrm>
+            <a:off x="3294438" y="5932612"/>
+            <a:ext cx="422336" cy="261679"/>
+          </a:xfrm>
+          <a:prstGeom prst="rect">
+            <a:avLst/>
+          </a:prstGeom>
+          <a:solidFill>
+            <a:schemeClr val="bg1"/>
+          </a:solidFill>
+          <a:ln>
+            <a:noFill/>
+          </a:ln>
+        </p:spPr>
+        <p:style>
+          <a:lnRef idx="2">
+            <a:schemeClr val="accent1">
+              <a:shade val="50000"/>
+            </a:schemeClr>
+          </a:lnRef>
+          <a:fillRef idx="1">
+            <a:schemeClr val="accent1"/>
+          </a:fillRef>
+          <a:effectRef idx="0">
+            <a:schemeClr val="accent1"/>
+          </a:effectRef>
+          <a:fontRef idx="minor">
+            <a:schemeClr val="lt1"/>
+          </a:fontRef>
+        </p:style>
+        <p:txBody>
+          <a:bodyPr rtlCol="0" anchor="ctr"/>
+          <a:lstStyle/>
+          <a:p>
+            <a:pPr algn="ctr"/>
+            <a:endParaRPr kumimoji="1" lang="ja-JP" altLang="en-US"/>
           </a:p>
         </p:txBody>
       </p:sp>
     </p:spTree>
     <p:extLst>
       <p:ext uri="{BB962C8B-B14F-4D97-AF65-F5344CB8AC3E}">
-        <p14:creationId xmlns:p14="http://schemas.microsoft.com/office/powerpoint/2010/main" val="220274891"/>
+        <p14:creationId xmlns:p14="http://schemas.microsoft.com/office/powerpoint/2010/main" val="618947437"/>
       </p:ext>
     </p:extLst>
   </p:cSld>
@@ -12331,7 +13132,7 @@
           <a:p>
             <a:r>
               <a:rPr kumimoji="1" lang="ja-JP" altLang="en-US" dirty="0" smtClean="0"/>
-              <a:t>プログラムを動かす</a:t>
+              <a:t>統計情報のパラメータを推定</a:t>
             </a:r>
             <a:endParaRPr kumimoji="1" lang="ja-JP" altLang="en-US" dirty="0"/>
           </a:p>
@@ -12347,31 +13148,56 @@
             <p:ph idx="1"/>
           </p:nvPr>
         </p:nvSpPr>
-        <p:spPr>
-          <a:xfrm>
-            <a:off x="628650" y="1825625"/>
-            <a:ext cx="8274050" cy="4351338"/>
-          </a:xfrm>
-        </p:spPr>
+        <p:spPr/>
         <p:txBody>
           <a:bodyPr/>
           <a:lstStyle/>
           <a:p>
+            <a:pPr algn="dist"/>
+            <a:r>
+              <a:rPr lang="ja-JP" altLang="en-US" spc="-150" dirty="0" smtClean="0"/>
+              <a:t>手計算のパラメータと推定したパラメータを比較</a:t>
+            </a:r>
+            <a:endParaRPr kumimoji="1" lang="en-US" altLang="ja-JP" spc="-150" dirty="0" smtClean="0"/>
+          </a:p>
+          <a:p>
+            <a:endParaRPr kumimoji="1" lang="en-US" altLang="ja-JP" dirty="0" smtClean="0"/>
+          </a:p>
+          <a:p>
+            <a:r>
+              <a:rPr lang="ja-JP" altLang="en-US" dirty="0" smtClean="0"/>
+              <a:t>各パラメータが近い値を</a:t>
+            </a:r>
+            <a:r>
+              <a:rPr lang="ja-JP" altLang="en-US" dirty="0" smtClean="0"/>
+              <a:t>示せば</a:t>
+            </a:r>
+            <a:r>
+              <a:rPr lang="ja-JP" altLang="en-US" dirty="0"/>
+              <a:t>成功</a:t>
+            </a:r>
+            <a:endParaRPr kumimoji="1" lang="en-US" altLang="ja-JP" dirty="0" smtClean="0"/>
+          </a:p>
+          <a:p>
+            <a:r>
+              <a:rPr kumimoji="1" lang="en-US" altLang="ja-JP" dirty="0" smtClean="0"/>
+              <a:t>(</a:t>
+            </a:r>
             <a:r>
               <a:rPr kumimoji="1" lang="ja-JP" altLang="en-US" dirty="0" smtClean="0"/>
-              <a:t>計算したパラメータをプログラムに</a:t>
-            </a:r>
-            <a:r>
-              <a:rPr lang="ja-JP" altLang="en-US" dirty="0"/>
-              <a:t>書き込</a:t>
-            </a:r>
-            <a:r>
-              <a:rPr lang="ja-JP" altLang="en-US" dirty="0" smtClean="0"/>
-              <a:t>む</a:t>
+              <a:t>学習なので</a:t>
+            </a:r>
+            <a:r>
+              <a:rPr kumimoji="1" lang="en-US" altLang="ja-JP" dirty="0" smtClean="0"/>
+              <a:t>,</a:t>
             </a:r>
             <a:r>
               <a:rPr kumimoji="1" lang="ja-JP" altLang="en-US" dirty="0" smtClean="0"/>
-              <a:t>実行</a:t>
+              <a:t>データ数やデータの偏りで数値が変わります</a:t>
+            </a:r>
+            <a:r>
+              <a:rPr kumimoji="1" lang="en-US" altLang="ja-JP" dirty="0" smtClean="0"/>
+              <a:t>)</a:t>
             </a:r>
             <a:endParaRPr kumimoji="1" lang="ja-JP" altLang="en-US" dirty="0"/>
           </a:p>
@@ -12399,83 +13225,18 @@
         </p:blipFill>
         <p:spPr>
           <a:xfrm>
-            <a:off x="1185686" y="3678105"/>
-            <a:ext cx="7600505" cy="2782329"/>
+            <a:off x="127865" y="4195620"/>
+            <a:ext cx="8888270" cy="2529858"/>
           </a:xfrm>
           <a:prstGeom prst="rect">
             <a:avLst/>
           </a:prstGeom>
         </p:spPr>
       </p:pic>
-      <p:sp>
-        <p:nvSpPr>
-          <p:cNvPr id="5" name="テキスト ボックス 4"/>
-          <p:cNvSpPr txBox="1"/>
-          <p:nvPr/>
-        </p:nvSpPr>
-        <p:spPr>
-          <a:xfrm>
-            <a:off x="1135507" y="2440527"/>
-            <a:ext cx="7903189" cy="954107"/>
-          </a:xfrm>
-          <a:prstGeom prst="rect">
-            <a:avLst/>
-          </a:prstGeom>
-          <a:noFill/>
-        </p:spPr>
-        <p:txBody>
-          <a:bodyPr wrap="none" rtlCol="0">
-            <a:spAutoFit/>
-          </a:bodyPr>
-          <a:lstStyle/>
-          <a:p>
-            <a:r>
-              <a:rPr lang="en-US" altLang="ja-JP" sz="2800" dirty="0" smtClean="0"/>
-              <a:t>- kadai.py</a:t>
-            </a:r>
-            <a:r>
-              <a:rPr lang="ja-JP" altLang="en-US" sz="2800" dirty="0" smtClean="0"/>
-              <a:t>の関数 </a:t>
-            </a:r>
-            <a:r>
-              <a:rPr lang="en-US" altLang="ja-JP" sz="2800" dirty="0" err="1" smtClean="0"/>
-              <a:t>def_param</a:t>
-            </a:r>
-            <a:r>
-              <a:rPr lang="en-US" altLang="ja-JP" sz="2800" dirty="0" smtClean="0"/>
-              <a:t> </a:t>
-            </a:r>
-            <a:r>
-              <a:rPr lang="ja-JP" altLang="en-US" sz="2800" dirty="0" smtClean="0"/>
-              <a:t>内の確率を書き込む</a:t>
-            </a:r>
-            <a:endParaRPr lang="en-US" altLang="ja-JP" sz="2800" dirty="0" smtClean="0"/>
-          </a:p>
-          <a:p>
-            <a:r>
-              <a:rPr lang="en-US" altLang="ja-JP" sz="2800" dirty="0" smtClean="0"/>
-              <a:t>- </a:t>
-            </a:r>
-            <a:r>
-              <a:rPr lang="en-US" altLang="ja-JP" sz="2800" dirty="0" smtClean="0">
-                <a:solidFill>
-                  <a:srgbClr val="C00000"/>
-                </a:solidFill>
-              </a:rPr>
-              <a:t>$python kadai.py   </a:t>
-            </a:r>
-            <a:r>
-              <a:rPr lang="ja-JP" altLang="en-US" sz="2800" dirty="0" smtClean="0"/>
-              <a:t>で実行</a:t>
-            </a:r>
-            <a:endParaRPr lang="en-US" altLang="ja-JP" sz="2800" dirty="0"/>
-          </a:p>
-        </p:txBody>
-      </p:sp>
     </p:spTree>
     <p:extLst>
       <p:ext uri="{BB962C8B-B14F-4D97-AF65-F5344CB8AC3E}">
-        <p14:creationId xmlns:p14="http://schemas.microsoft.com/office/powerpoint/2010/main" val="618947437"/>
+        <p14:creationId xmlns:p14="http://schemas.microsoft.com/office/powerpoint/2010/main" val="1399093820"/>
       </p:ext>
     </p:extLst>
   </p:cSld>
@@ -12526,7 +13287,7 @@
           <a:p>
             <a:r>
               <a:rPr kumimoji="1" lang="ja-JP" altLang="en-US" dirty="0" smtClean="0"/>
-              <a:t>統計情報のパラメータを推定</a:t>
+              <a:t>評価問題によるモデルの識別</a:t>
             </a:r>
             <a:endParaRPr kumimoji="1" lang="ja-JP" altLang="en-US" dirty="0"/>
           </a:p>
@@ -12547,50 +13308,125 @@
           <a:bodyPr/>
           <a:lstStyle/>
           <a:p>
-            <a:pPr algn="dist"/>
-            <a:r>
-              <a:rPr lang="ja-JP" altLang="en-US" spc="-150" dirty="0" smtClean="0"/>
-              <a:t>手計算のパラメータと推定したパラメータを比較</a:t>
-            </a:r>
-            <a:endParaRPr kumimoji="1" lang="en-US" altLang="ja-JP" spc="-150" dirty="0" smtClean="0"/>
-          </a:p>
-          <a:p>
+            <a:r>
+              <a:rPr kumimoji="1" lang="en-US" altLang="ja-JP" dirty="0" smtClean="0"/>
+              <a:t> </a:t>
+            </a:r>
+            <a:r>
+              <a:rPr kumimoji="1" lang="en-US" altLang="ja-JP" dirty="0" smtClean="0">
+                <a:solidFill>
+                  <a:srgbClr val="C00000"/>
+                </a:solidFill>
+              </a:rPr>
+              <a:t>$ python identification.py   </a:t>
+            </a:r>
+            <a:r>
+              <a:rPr kumimoji="1" lang="ja-JP" altLang="en-US" dirty="0" smtClean="0"/>
+              <a:t>で実行</a:t>
+            </a:r>
             <a:endParaRPr kumimoji="1" lang="en-US" altLang="ja-JP" dirty="0" smtClean="0"/>
           </a:p>
           <a:p>
-            <a:r>
-              <a:rPr lang="ja-JP" altLang="en-US" dirty="0" smtClean="0"/>
-              <a:t>各パラメータが近い値を示せば</a:t>
-            </a:r>
-            <a:r>
-              <a:rPr lang="en-US" altLang="ja-JP" dirty="0" smtClean="0"/>
-              <a:t>OK</a:t>
-            </a:r>
-          </a:p>
-          <a:p>
-            <a:endParaRPr kumimoji="1" lang="en-US" altLang="ja-JP" dirty="0" smtClean="0"/>
-          </a:p>
-          <a:p>
+            <a:endParaRPr lang="en-US" altLang="ja-JP" dirty="0"/>
+          </a:p>
+          <a:p>
+            <a:pPr>
+              <a:lnSpc>
+                <a:spcPct val="150000"/>
+              </a:lnSpc>
+            </a:pPr>
+            <a:r>
+              <a:rPr kumimoji="1" lang="ja-JP" altLang="en-US" dirty="0" smtClean="0"/>
+              <a:t>評価問題</a:t>
+            </a:r>
+            <a:endParaRPr lang="en-US" altLang="ja-JP" dirty="0"/>
+          </a:p>
+          <a:p>
+            <a:pPr lvl="1">
+              <a:lnSpc>
+                <a:spcPct val="150000"/>
+              </a:lnSpc>
+            </a:pPr>
+            <a:r>
+              <a:rPr kumimoji="1" lang="en-US" altLang="ja-JP" dirty="0" smtClean="0"/>
+              <a:t>2</a:t>
+            </a:r>
+            <a:r>
+              <a:rPr kumimoji="1" lang="ja-JP" altLang="en-US" dirty="0" smtClean="0"/>
+              <a:t>種類のモデル</a:t>
+            </a:r>
             <a:r>
               <a:rPr kumimoji="1" lang="en-US" altLang="ja-JP" dirty="0" smtClean="0"/>
               <a:t>(</a:t>
             </a:r>
             <a:r>
               <a:rPr kumimoji="1" lang="ja-JP" altLang="en-US" dirty="0" smtClean="0"/>
-              <a:t>学習なので</a:t>
-            </a:r>
-            <a:r>
-              <a:rPr kumimoji="1" lang="en-US" altLang="ja-JP" dirty="0" smtClean="0"/>
-              <a:t>,</a:t>
+              <a:t>雨が</a:t>
+            </a:r>
+            <a:r>
+              <a:rPr lang="ja-JP" altLang="en-US" dirty="0" smtClean="0"/>
+              <a:t>多い</a:t>
+            </a:r>
+            <a:r>
+              <a:rPr lang="en-US" altLang="ja-JP" dirty="0"/>
+              <a:t>/</a:t>
             </a:r>
             <a:r>
               <a:rPr kumimoji="1" lang="ja-JP" altLang="en-US" dirty="0" smtClean="0"/>
-              <a:t>データ数やデータの偏りで数値が変わります</a:t>
+              <a:t>晴れが多い地域</a:t>
             </a:r>
             <a:r>
               <a:rPr kumimoji="1" lang="en-US" altLang="ja-JP" dirty="0" smtClean="0"/>
               <a:t>)</a:t>
             </a:r>
+            <a:r>
+              <a:rPr lang="ja-JP" altLang="en-US" dirty="0" smtClean="0"/>
+              <a:t>から</a:t>
+            </a:r>
+            <a:r>
+              <a:rPr lang="en-US" altLang="ja-JP" dirty="0" smtClean="0"/>
+              <a:t/>
+            </a:r>
+            <a:br>
+              <a:rPr lang="en-US" altLang="ja-JP" dirty="0" smtClean="0"/>
+            </a:br>
+            <a:r>
+              <a:rPr lang="ja-JP" altLang="en-US" dirty="0" smtClean="0"/>
+              <a:t>出力された観測系列の</a:t>
+            </a:r>
+            <a:r>
+              <a:rPr kumimoji="1" lang="ja-JP" altLang="en-US" dirty="0" smtClean="0"/>
+              <a:t>尤度をそれぞれ求める</a:t>
+            </a:r>
+            <a:endParaRPr kumimoji="1" lang="en-US" altLang="ja-JP" dirty="0" smtClean="0"/>
+          </a:p>
+          <a:p>
+            <a:pPr lvl="1">
+              <a:lnSpc>
+                <a:spcPct val="150000"/>
+              </a:lnSpc>
+            </a:pPr>
+            <a:r>
+              <a:rPr lang="ja-JP" altLang="en-US" dirty="0" smtClean="0"/>
+              <a:t>尤度によって、観測系列がどちらのモデルから</a:t>
+            </a:r>
+            <a:r>
+              <a:rPr lang="en-US" altLang="ja-JP" dirty="0" smtClean="0"/>
+              <a:t/>
+            </a:r>
+            <a:br>
+              <a:rPr lang="en-US" altLang="ja-JP" dirty="0" smtClean="0"/>
+            </a:br>
+            <a:r>
+              <a:rPr lang="ja-JP" altLang="en-US" dirty="0" smtClean="0"/>
+              <a:t>出力されたものかを識別する</a:t>
+            </a:r>
+            <a:endParaRPr lang="en-US" altLang="ja-JP" dirty="0"/>
+          </a:p>
+          <a:p>
+            <a:endParaRPr kumimoji="1" lang="en-US" altLang="ja-JP" dirty="0" smtClean="0"/>
+          </a:p>
+          <a:p>
             <a:endParaRPr kumimoji="1" lang="ja-JP" altLang="en-US" dirty="0"/>
           </a:p>
         </p:txBody>
@@ -12598,7 +13434,7 @@
     </p:spTree>
     <p:extLst>
       <p:ext uri="{BB962C8B-B14F-4D97-AF65-F5344CB8AC3E}">
-        <p14:creationId xmlns:p14="http://schemas.microsoft.com/office/powerpoint/2010/main" val="286147332"/>
+        <p14:creationId xmlns:p14="http://schemas.microsoft.com/office/powerpoint/2010/main" val="2362127363"/>
       </p:ext>
     </p:extLst>
   </p:cSld>
@@ -12648,7 +13484,7 @@
           <a:lstStyle/>
           <a:p>
             <a:r>
-              <a:rPr kumimoji="1" lang="ja-JP" altLang="en-US" dirty="0" smtClean="0"/>
+              <a:rPr lang="ja-JP" altLang="en-US" dirty="0"/>
               <a:t>評価問題によるモデルの識別</a:t>
             </a:r>
             <a:endParaRPr kumimoji="1" lang="ja-JP" altLang="en-US" dirty="0"/>
@@ -12657,7 +13493,7 @@
       </p:sp>
       <p:sp>
         <p:nvSpPr>
-          <p:cNvPr id="3" name="コンテンツ プレースホルダー 2"/>
+          <p:cNvPr id="6" name="コンテンツ プレースホルダー 5"/>
           <p:cNvSpPr>
             <a:spLocks noGrp="1"/>
           </p:cNvSpPr>
@@ -12671,11 +13507,11 @@
           <a:lstStyle/>
           <a:p>
             <a:r>
-              <a:rPr kumimoji="1" lang="en-US" altLang="ja-JP" dirty="0" smtClean="0"/>
+              <a:rPr lang="en-US" altLang="ja-JP" dirty="0"/>
               <a:t> </a:t>
             </a:r>
             <a:r>
-              <a:rPr kumimoji="1" lang="en-US" altLang="ja-JP" dirty="0" smtClean="0">
+              <a:rPr lang="en-US" altLang="ja-JP" dirty="0">
                 <a:solidFill>
                   <a:srgbClr val="C00000"/>
                 </a:solidFill>
@@ -12683,132 +13519,49 @@
               <a:t>$ python identification.py   </a:t>
             </a:r>
             <a:r>
-              <a:rPr kumimoji="1" lang="ja-JP" altLang="en-US" dirty="0" smtClean="0"/>
+              <a:rPr lang="ja-JP" altLang="en-US" dirty="0"/>
               <a:t>で実行</a:t>
             </a:r>
-            <a:endParaRPr kumimoji="1" lang="en-US" altLang="ja-JP" dirty="0" smtClean="0"/>
-          </a:p>
-          <a:p>
             <a:endParaRPr lang="en-US" altLang="ja-JP" dirty="0"/>
           </a:p>
           <a:p>
-            <a:pPr>
-              <a:lnSpc>
-                <a:spcPct val="150000"/>
-              </a:lnSpc>
-            </a:pPr>
-            <a:r>
-              <a:rPr kumimoji="1" lang="ja-JP" altLang="en-US" dirty="0" smtClean="0"/>
-              <a:t>評価</a:t>
-            </a:r>
-            <a:r>
-              <a:rPr kumimoji="1" lang="ja-JP" altLang="en-US" dirty="0" smtClean="0"/>
-              <a:t>問題</a:t>
-            </a:r>
-            <a:endParaRPr lang="en-US" altLang="ja-JP" dirty="0"/>
-          </a:p>
-          <a:p>
-            <a:pPr lvl="1">
-              <a:lnSpc>
-                <a:spcPct val="150000"/>
-              </a:lnSpc>
-            </a:pPr>
-            <a:r>
-              <a:rPr kumimoji="1" lang="en-US" altLang="ja-JP" dirty="0" smtClean="0"/>
-              <a:t>2</a:t>
-            </a:r>
-            <a:r>
-              <a:rPr kumimoji="1" lang="ja-JP" altLang="en-US" dirty="0" smtClean="0"/>
-              <a:t>種類の</a:t>
-            </a:r>
-            <a:r>
-              <a:rPr kumimoji="1" lang="ja-JP" altLang="en-US" dirty="0" smtClean="0"/>
-              <a:t>モデル</a:t>
-            </a:r>
-            <a:r>
-              <a:rPr kumimoji="1" lang="en-US" altLang="ja-JP" dirty="0" smtClean="0"/>
-              <a:t>(</a:t>
-            </a:r>
-            <a:r>
-              <a:rPr kumimoji="1" lang="ja-JP" altLang="en-US" dirty="0" smtClean="0"/>
-              <a:t>雨が</a:t>
-            </a:r>
-            <a:r>
-              <a:rPr lang="ja-JP" altLang="en-US" dirty="0" smtClean="0"/>
-              <a:t>多い</a:t>
-            </a:r>
-            <a:r>
-              <a:rPr lang="en-US" altLang="ja-JP" dirty="0"/>
-              <a:t>/</a:t>
-            </a:r>
-            <a:r>
-              <a:rPr kumimoji="1" lang="ja-JP" altLang="en-US" dirty="0" smtClean="0"/>
-              <a:t>晴れ</a:t>
-            </a:r>
-            <a:r>
-              <a:rPr kumimoji="1" lang="ja-JP" altLang="en-US" dirty="0" smtClean="0"/>
-              <a:t>が多い地域</a:t>
-            </a:r>
-            <a:r>
-              <a:rPr kumimoji="1" lang="en-US" altLang="ja-JP" dirty="0" smtClean="0"/>
-              <a:t>)</a:t>
-            </a:r>
-            <a:r>
-              <a:rPr lang="ja-JP" altLang="en-US" dirty="0" smtClean="0"/>
-              <a:t>から</a:t>
-            </a:r>
-            <a:r>
-              <a:rPr lang="en-US" altLang="ja-JP" dirty="0" smtClean="0"/>
-              <a:t/>
-            </a:r>
-            <a:br>
-              <a:rPr lang="en-US" altLang="ja-JP" dirty="0" smtClean="0"/>
-            </a:br>
-            <a:r>
-              <a:rPr lang="ja-JP" altLang="en-US" dirty="0" smtClean="0"/>
-              <a:t>出力された観測系列の</a:t>
-            </a:r>
-            <a:r>
-              <a:rPr kumimoji="1" lang="ja-JP" altLang="en-US" dirty="0" smtClean="0"/>
-              <a:t>尤度をそれぞれ求める</a:t>
-            </a:r>
-            <a:endParaRPr kumimoji="1" lang="en-US" altLang="ja-JP" dirty="0" smtClean="0"/>
-          </a:p>
-          <a:p>
-            <a:pPr lvl="1">
-              <a:lnSpc>
-                <a:spcPct val="150000"/>
-              </a:lnSpc>
-            </a:pPr>
-            <a:r>
-              <a:rPr lang="ja-JP" altLang="en-US" dirty="0" smtClean="0"/>
-              <a:t>尤度によって、観測系列がどちらのモデルから</a:t>
-            </a:r>
-            <a:r>
-              <a:rPr lang="en-US" altLang="ja-JP" dirty="0" smtClean="0"/>
-              <a:t/>
-            </a:r>
-            <a:br>
-              <a:rPr lang="en-US" altLang="ja-JP" dirty="0" smtClean="0"/>
-            </a:br>
-            <a:r>
-              <a:rPr lang="ja-JP" altLang="en-US" dirty="0" smtClean="0"/>
-              <a:t>出力されたものかを識別する</a:t>
-            </a:r>
-            <a:endParaRPr lang="en-US" altLang="ja-JP" dirty="0"/>
-          </a:p>
-          <a:p>
-            <a:endParaRPr kumimoji="1" lang="en-US" altLang="ja-JP" dirty="0" smtClean="0"/>
-          </a:p>
-          <a:p>
             <a:endParaRPr kumimoji="1" lang="ja-JP" altLang="en-US" dirty="0"/>
           </a:p>
         </p:txBody>
       </p:sp>
+      <p:pic>
+        <p:nvPicPr>
+          <p:cNvPr id="3" name="図 2"/>
+          <p:cNvPicPr>
+            <a:picLocks noChangeAspect="1"/>
+          </p:cNvPicPr>
+          <p:nvPr/>
+        </p:nvPicPr>
+        <p:blipFill rotWithShape="1">
+          <a:blip r:embed="rId3">
+            <a:extLst>
+              <a:ext uri="{28A0092B-C50C-407E-A947-70E740481C1C}">
+                <a14:useLocalDpi xmlns:a14="http://schemas.microsoft.com/office/drawing/2010/main" val="0"/>
+              </a:ext>
+            </a:extLst>
+          </a:blip>
+          <a:srcRect l="725"/>
+          <a:stretch/>
+        </p:blipFill>
+        <p:spPr>
+          <a:xfrm>
+            <a:off x="33130" y="2279458"/>
+            <a:ext cx="9077739" cy="3443671"/>
+          </a:xfrm>
+          <a:prstGeom prst="rect">
+            <a:avLst/>
+          </a:prstGeom>
+        </p:spPr>
+      </p:pic>
     </p:spTree>
     <p:extLst>
       <p:ext uri="{BB962C8B-B14F-4D97-AF65-F5344CB8AC3E}">
-        <p14:creationId xmlns:p14="http://schemas.microsoft.com/office/powerpoint/2010/main" val="2362127363"/>
+        <p14:creationId xmlns:p14="http://schemas.microsoft.com/office/powerpoint/2010/main" val="3291891947"/>
       </p:ext>
     </p:extLst>
   </p:cSld>
@@ -12865,9 +13618,47 @@
           </a:p>
         </p:txBody>
       </p:sp>
+      <p:sp>
+        <p:nvSpPr>
+          <p:cNvPr id="6" name="コンテンツ プレースホルダー 5"/>
+          <p:cNvSpPr>
+            <a:spLocks noGrp="1"/>
+          </p:cNvSpPr>
+          <p:nvPr>
+            <p:ph idx="1"/>
+          </p:nvPr>
+        </p:nvSpPr>
+        <p:spPr/>
+        <p:txBody>
+          <a:bodyPr/>
+          <a:lstStyle/>
+          <a:p>
+            <a:r>
+              <a:rPr lang="en-US" altLang="ja-JP" dirty="0"/>
+              <a:t> </a:t>
+            </a:r>
+            <a:r>
+              <a:rPr lang="en-US" altLang="ja-JP" dirty="0">
+                <a:solidFill>
+                  <a:srgbClr val="C00000"/>
+                </a:solidFill>
+              </a:rPr>
+              <a:t>$ python identification.py   </a:t>
+            </a:r>
+            <a:r>
+              <a:rPr lang="ja-JP" altLang="en-US" dirty="0"/>
+              <a:t>で実行</a:t>
+            </a:r>
+            <a:endParaRPr lang="en-US" altLang="ja-JP" dirty="0"/>
+          </a:p>
+          <a:p>
+            <a:endParaRPr kumimoji="1" lang="ja-JP" altLang="en-US" dirty="0"/>
+          </a:p>
+        </p:txBody>
+      </p:sp>
       <p:pic>
         <p:nvPicPr>
-          <p:cNvPr id="5" name="図 4"/>
+          <p:cNvPr id="3" name="図 2"/>
           <p:cNvPicPr>
             <a:picLocks noChangeAspect="1"/>
           </p:cNvPicPr>
@@ -12881,57 +13672,19 @@
               </a:ext>
             </a:extLst>
           </a:blip>
-          <a:srcRect l="182" t="7523"/>
+          <a:srcRect l="725"/>
           <a:stretch/>
         </p:blipFill>
         <p:spPr>
           <a:xfrm>
-            <a:off x="-10361" y="2426459"/>
-            <a:ext cx="9154361" cy="3101505"/>
+            <a:off x="33130" y="2279458"/>
+            <a:ext cx="9077739" cy="3443671"/>
           </a:xfrm>
           <a:prstGeom prst="rect">
             <a:avLst/>
           </a:prstGeom>
         </p:spPr>
       </p:pic>
-      <p:sp>
-        <p:nvSpPr>
-          <p:cNvPr id="6" name="コンテンツ プレースホルダー 5"/>
-          <p:cNvSpPr>
-            <a:spLocks noGrp="1"/>
-          </p:cNvSpPr>
-          <p:nvPr>
-            <p:ph idx="1"/>
-          </p:nvPr>
-        </p:nvSpPr>
-        <p:spPr/>
-        <p:txBody>
-          <a:bodyPr/>
-          <a:lstStyle/>
-          <a:p>
-            <a:r>
-              <a:rPr lang="en-US" altLang="ja-JP" dirty="0"/>
-              <a:t> </a:t>
-            </a:r>
-            <a:r>
-              <a:rPr lang="en-US" altLang="ja-JP" dirty="0">
-                <a:solidFill>
-                  <a:srgbClr val="C00000"/>
-                </a:solidFill>
-              </a:rPr>
-              <a:t>$ python identification.py   </a:t>
-            </a:r>
-            <a:r>
-              <a:rPr lang="ja-JP" altLang="en-US" dirty="0"/>
-              <a:t>で実行</a:t>
-            </a:r>
-            <a:endParaRPr lang="en-US" altLang="ja-JP" dirty="0"/>
-          </a:p>
-          <a:p>
-            <a:endParaRPr kumimoji="1" lang="ja-JP" altLang="en-US" dirty="0"/>
-          </a:p>
-        </p:txBody>
-      </p:sp>
       <p:sp>
         <p:nvSpPr>
           <p:cNvPr id="8" name="四角形吹き出し 7"/>
@@ -12945,10 +13698,13 @@
           </a:xfrm>
           <a:prstGeom prst="wedgeRectCallout">
             <a:avLst>
-              <a:gd name="adj1" fmla="val -37177"/>
-              <a:gd name="adj2" fmla="val -114480"/>
+              <a:gd name="adj1" fmla="val -57453"/>
+              <a:gd name="adj2" fmla="val -77913"/>
             </a:avLst>
           </a:prstGeom>
+          <a:ln>
+            <a:noFill/>
+          </a:ln>
         </p:spPr>
         <p:style>
           <a:lnRef idx="2">
@@ -12991,10 +13747,60 @@
           </a:p>
         </p:txBody>
       </p:sp>
+      <p:sp>
+        <p:nvSpPr>
+          <p:cNvPr id="9" name="正方形/長方形 8"/>
+          <p:cNvSpPr/>
+          <p:nvPr/>
+        </p:nvSpPr>
+        <p:spPr>
+          <a:xfrm>
+            <a:off x="0" y="5016499"/>
+            <a:ext cx="9096172" cy="534203"/>
+          </a:xfrm>
+          <a:prstGeom prst="rect">
+            <a:avLst/>
+          </a:prstGeom>
+          <a:solidFill>
+            <a:schemeClr val="accent1">
+              <a:alpha val="54000"/>
+            </a:schemeClr>
+          </a:solidFill>
+          <a:ln>
+            <a:solidFill>
+              <a:schemeClr val="bg1"/>
+            </a:solidFill>
+          </a:ln>
+        </p:spPr>
+        <p:style>
+          <a:lnRef idx="2">
+            <a:schemeClr val="accent1">
+              <a:shade val="50000"/>
+            </a:schemeClr>
+          </a:lnRef>
+          <a:fillRef idx="1">
+            <a:schemeClr val="accent1"/>
+          </a:fillRef>
+          <a:effectRef idx="0">
+            <a:schemeClr val="accent1"/>
+          </a:effectRef>
+          <a:fontRef idx="minor">
+            <a:schemeClr val="lt1"/>
+          </a:fontRef>
+        </p:style>
+        <p:txBody>
+          <a:bodyPr rtlCol="0" anchor="ctr"/>
+          <a:lstStyle/>
+          <a:p>
+            <a:pPr algn="ctr"/>
+            <a:endParaRPr kumimoji="1" lang="ja-JP" altLang="en-US"/>
+          </a:p>
+        </p:txBody>
+      </p:sp>
     </p:spTree>
     <p:extLst>
       <p:ext uri="{BB962C8B-B14F-4D97-AF65-F5344CB8AC3E}">
-        <p14:creationId xmlns:p14="http://schemas.microsoft.com/office/powerpoint/2010/main" val="3291891947"/>
+        <p14:creationId xmlns:p14="http://schemas.microsoft.com/office/powerpoint/2010/main" val="2933578239"/>
       </p:ext>
     </p:extLst>
   </p:cSld>
@@ -13094,9 +13900,55 @@
           </a:p>
         </p:txBody>
       </p:sp>
+      <p:sp>
+        <p:nvSpPr>
+          <p:cNvPr id="5" name="正方形/長方形 4"/>
+          <p:cNvSpPr/>
+          <p:nvPr/>
+        </p:nvSpPr>
+        <p:spPr>
+          <a:xfrm>
+            <a:off x="542982" y="3413398"/>
+            <a:ext cx="8058034" cy="3337470"/>
+          </a:xfrm>
+          <a:prstGeom prst="rect">
+            <a:avLst/>
+          </a:prstGeom>
+          <a:solidFill>
+            <a:schemeClr val="tx1"/>
+          </a:solidFill>
+          <a:ln>
+            <a:noFill/>
+          </a:ln>
+        </p:spPr>
+        <p:style>
+          <a:lnRef idx="2">
+            <a:schemeClr val="accent1">
+              <a:shade val="50000"/>
+            </a:schemeClr>
+          </a:lnRef>
+          <a:fillRef idx="1">
+            <a:schemeClr val="accent1"/>
+          </a:fillRef>
+          <a:effectRef idx="0">
+            <a:schemeClr val="accent1"/>
+          </a:effectRef>
+          <a:fontRef idx="minor">
+            <a:schemeClr val="lt1"/>
+          </a:fontRef>
+        </p:style>
+        <p:txBody>
+          <a:bodyPr rtlCol="0" anchor="ctr"/>
+          <a:lstStyle/>
+          <a:p>
+            <a:pPr algn="ctr"/>
+            <a:endParaRPr kumimoji="1" lang="ja-JP" altLang="en-US"/>
+          </a:p>
+        </p:txBody>
+      </p:sp>
       <p:pic>
         <p:nvPicPr>
-          <p:cNvPr id="4" name="図 3"/>
+          <p:cNvPr id="6" name="図 5"/>
           <p:cNvPicPr>
             <a:picLocks noChangeAspect="1"/>
           </p:cNvPicPr>
@@ -13116,8 +13968,8 @@
         </p:blipFill>
         <p:spPr>
           <a:xfrm>
-            <a:off x="1325386" y="3193914"/>
-            <a:ext cx="8148814" cy="2983049"/>
+            <a:off x="771747" y="3690969"/>
+            <a:ext cx="7600505" cy="2782329"/>
           </a:xfrm>
           <a:prstGeom prst="rect">
             <a:avLst/>
@@ -13161,70 +14013,9 @@
           <a:chExt cx="0" cy="0"/>
         </a:xfrm>
       </p:grpSpPr>
-      <p:sp>
-        <p:nvSpPr>
-          <p:cNvPr id="2" name="タイトル 1"/>
-          <p:cNvSpPr>
-            <a:spLocks noGrp="1"/>
-          </p:cNvSpPr>
-          <p:nvPr>
-            <p:ph type="title"/>
-          </p:nvPr>
-        </p:nvSpPr>
-        <p:spPr/>
-        <p:txBody>
-          <a:bodyPr/>
-          <a:lstStyle/>
-          <a:p>
-            <a:r>
-              <a:rPr lang="ja-JP" altLang="en-US" dirty="0"/>
-              <a:t>評価問題によるモデルの識別</a:t>
-            </a:r>
-            <a:endParaRPr kumimoji="1" lang="ja-JP" altLang="en-US" dirty="0"/>
-          </a:p>
-        </p:txBody>
-      </p:sp>
-      <p:sp>
-        <p:nvSpPr>
-          <p:cNvPr id="3" name="コンテンツ プレースホルダー 2"/>
-          <p:cNvSpPr>
-            <a:spLocks noGrp="1"/>
-          </p:cNvSpPr>
-          <p:nvPr>
-            <p:ph idx="1"/>
-          </p:nvPr>
-        </p:nvSpPr>
-        <p:spPr/>
-        <p:txBody>
-          <a:bodyPr/>
-          <a:lstStyle/>
-          <a:p>
-            <a:r>
-              <a:rPr lang="en-US" altLang="ja-JP" dirty="0"/>
-              <a:t> </a:t>
-            </a:r>
-            <a:r>
-              <a:rPr lang="en-US" altLang="ja-JP" dirty="0">
-                <a:solidFill>
-                  <a:srgbClr val="C00000"/>
-                </a:solidFill>
-              </a:rPr>
-              <a:t>$ python identification.py   </a:t>
-            </a:r>
-            <a:r>
-              <a:rPr lang="ja-JP" altLang="en-US" dirty="0"/>
-              <a:t>で実行</a:t>
-            </a:r>
-            <a:endParaRPr lang="en-US" altLang="ja-JP" dirty="0"/>
-          </a:p>
-          <a:p>
-            <a:endParaRPr kumimoji="1" lang="ja-JP" altLang="en-US" dirty="0"/>
-          </a:p>
-        </p:txBody>
-      </p:sp>
       <p:pic>
         <p:nvPicPr>
-          <p:cNvPr id="4" name="図 3"/>
+          <p:cNvPr id="7" name="図 6"/>
           <p:cNvPicPr>
             <a:picLocks noChangeAspect="1"/>
           </p:cNvPicPr>
@@ -13244,8 +14035,8 @@
         </p:blipFill>
         <p:spPr>
           <a:xfrm>
-            <a:off x="406185" y="2489661"/>
-            <a:ext cx="8331629" cy="3448570"/>
+            <a:off x="593203" y="2372380"/>
+            <a:ext cx="7957594" cy="3628551"/>
           </a:xfrm>
           <a:prstGeom prst="rect">
             <a:avLst/>
@@ -13254,13 +14045,74 @@
       </p:pic>
       <p:sp>
         <p:nvSpPr>
+          <p:cNvPr id="2" name="タイトル 1"/>
+          <p:cNvSpPr>
+            <a:spLocks noGrp="1"/>
+          </p:cNvSpPr>
+          <p:nvPr>
+            <p:ph type="title"/>
+          </p:nvPr>
+        </p:nvSpPr>
+        <p:spPr/>
+        <p:txBody>
+          <a:bodyPr/>
+          <a:lstStyle/>
+          <a:p>
+            <a:r>
+              <a:rPr lang="ja-JP" altLang="en-US" dirty="0"/>
+              <a:t>評価問題によるモデルの識別</a:t>
+            </a:r>
+            <a:endParaRPr kumimoji="1" lang="ja-JP" altLang="en-US" dirty="0"/>
+          </a:p>
+        </p:txBody>
+      </p:sp>
+      <p:sp>
+        <p:nvSpPr>
+          <p:cNvPr id="3" name="コンテンツ プレースホルダー 2"/>
+          <p:cNvSpPr>
+            <a:spLocks noGrp="1"/>
+          </p:cNvSpPr>
+          <p:nvPr>
+            <p:ph idx="1"/>
+          </p:nvPr>
+        </p:nvSpPr>
+        <p:spPr/>
+        <p:txBody>
+          <a:bodyPr/>
+          <a:lstStyle/>
+          <a:p>
+            <a:r>
+              <a:rPr lang="en-US" altLang="ja-JP" dirty="0"/>
+              <a:t> </a:t>
+            </a:r>
+            <a:r>
+              <a:rPr lang="en-US" altLang="ja-JP" dirty="0">
+                <a:solidFill>
+                  <a:srgbClr val="C00000"/>
+                </a:solidFill>
+              </a:rPr>
+              <a:t>$ python identification.py   </a:t>
+            </a:r>
+            <a:r>
+              <a:rPr lang="ja-JP" altLang="en-US" dirty="0"/>
+              <a:t>で実行</a:t>
+            </a:r>
+            <a:endParaRPr lang="en-US" altLang="ja-JP" dirty="0"/>
+          </a:p>
+          <a:p>
+            <a:endParaRPr kumimoji="1" lang="ja-JP" altLang="en-US" dirty="0"/>
+          </a:p>
+        </p:txBody>
+      </p:sp>
+      <p:sp>
+        <p:nvSpPr>
           <p:cNvPr id="5" name="楕円 4"/>
           <p:cNvSpPr/>
           <p:nvPr/>
         </p:nvSpPr>
         <p:spPr>
           <a:xfrm>
-            <a:off x="1151791" y="5451231"/>
+            <a:off x="1125286" y="5516697"/>
             <a:ext cx="527539" cy="621936"/>
           </a:xfrm>
           <a:prstGeom prst="ellipse">
@@ -13315,7 +14167,7 @@
           </a:xfrm>
           <a:prstGeom prst="wedgeRectCallout">
             <a:avLst>
-              <a:gd name="adj1" fmla="val -36673"/>
+              <a:gd name="adj1" fmla="val -35066"/>
               <a:gd name="adj2" fmla="val -106552"/>
             </a:avLst>
           </a:prstGeom>
@@ -13346,11 +14198,23 @@
             <a:pPr algn="ctr"/>
             <a:r>
               <a:rPr kumimoji="1" lang="ja-JP" altLang="en-US" sz="2400" dirty="0" smtClean="0"/>
-              <a:t>選択した番号が出力されれば</a:t>
+              <a:t>選択した番号が出力</a:t>
+            </a:r>
+            <a:r>
+              <a:rPr kumimoji="1" lang="ja-JP" altLang="en-US" sz="2400" dirty="0" smtClean="0"/>
+              <a:t>されれば</a:t>
+            </a:r>
+            <a:r>
+              <a:rPr lang="ja-JP" altLang="en-US" sz="2400" dirty="0"/>
+              <a:t>成功</a:t>
             </a:r>
             <a:r>
               <a:rPr kumimoji="1" lang="en-US" altLang="ja-JP" sz="2400" dirty="0" smtClean="0"/>
-              <a:t>OK   (</a:t>
+              <a:t>   </a:t>
+            </a:r>
+            <a:r>
+              <a:rPr kumimoji="1" lang="en-US" altLang="ja-JP" sz="2400" dirty="0" smtClean="0"/>
+              <a:t>(</a:t>
             </a:r>
             <a:r>
               <a:rPr kumimoji="1" lang="ja-JP" altLang="en-US" sz="2400" dirty="0" smtClean="0"/>
@@ -13361,6 +14225,56 @@
               <a:t>)</a:t>
             </a:r>
             <a:endParaRPr kumimoji="1" lang="ja-JP" altLang="en-US" sz="2400" dirty="0"/>
+          </a:p>
+        </p:txBody>
+      </p:sp>
+      <p:sp>
+        <p:nvSpPr>
+          <p:cNvPr id="8" name="楕円 7"/>
+          <p:cNvSpPr/>
+          <p:nvPr/>
+        </p:nvSpPr>
+        <p:spPr>
+          <a:xfrm>
+            <a:off x="769686" y="4001294"/>
+            <a:ext cx="527539" cy="621936"/>
+          </a:xfrm>
+          <a:prstGeom prst="ellipse">
+            <a:avLst/>
+          </a:prstGeom>
+          <a:solidFill>
+            <a:srgbClr val="C00000">
+              <a:alpha val="0"/>
+            </a:srgbClr>
+          </a:solidFill>
+          <a:ln w="66675">
+            <a:solidFill>
+              <a:srgbClr val="C00000"/>
+            </a:solidFill>
+          </a:ln>
+        </p:spPr>
+        <p:style>
+          <a:lnRef idx="2">
+            <a:schemeClr val="accent1">
+              <a:shade val="50000"/>
+            </a:schemeClr>
+          </a:lnRef>
+          <a:fillRef idx="1">
+            <a:schemeClr val="accent1"/>
+          </a:fillRef>
+          <a:effectRef idx="0">
+            <a:schemeClr val="accent1"/>
+          </a:effectRef>
+          <a:fontRef idx="minor">
+            <a:schemeClr val="lt1"/>
+          </a:fontRef>
+        </p:style>
+        <p:txBody>
+          <a:bodyPr rtlCol="0" anchor="ctr"/>
+          <a:lstStyle/>
+          <a:p>
+            <a:pPr algn="ctr"/>
+            <a:endParaRPr kumimoji="1" lang="ja-JP" altLang="en-US"/>
           </a:p>
         </p:txBody>
       </p:sp>
@@ -14615,6 +15529,58 @@
           </a:p>
         </p:txBody>
       </p:sp>
+      <p:sp>
+        <p:nvSpPr>
+          <p:cNvPr id="3" name="角丸四角形 2"/>
+          <p:cNvSpPr/>
+          <p:nvPr/>
+        </p:nvSpPr>
+        <p:spPr>
+          <a:xfrm>
+            <a:off x="7036320" y="5483590"/>
+            <a:ext cx="1906376" cy="684713"/>
+          </a:xfrm>
+          <a:prstGeom prst="roundRect">
+            <a:avLst/>
+          </a:prstGeom>
+          <a:solidFill>
+            <a:schemeClr val="accent2">
+              <a:lumMod val="50000"/>
+            </a:schemeClr>
+          </a:solidFill>
+          <a:ln>
+            <a:noFill/>
+          </a:ln>
+        </p:spPr>
+        <p:style>
+          <a:lnRef idx="2">
+            <a:schemeClr val="accent1">
+              <a:shade val="50000"/>
+            </a:schemeClr>
+          </a:lnRef>
+          <a:fillRef idx="1">
+            <a:schemeClr val="accent1"/>
+          </a:fillRef>
+          <a:effectRef idx="0">
+            <a:schemeClr val="accent1"/>
+          </a:effectRef>
+          <a:fontRef idx="minor">
+            <a:schemeClr val="lt1"/>
+          </a:fontRef>
+        </p:style>
+        <p:txBody>
+          <a:bodyPr rtlCol="0" anchor="ctr"/>
+          <a:lstStyle/>
+          <a:p>
+            <a:pPr algn="ctr"/>
+            <a:r>
+              <a:rPr lang="ja-JP" altLang="en-US" sz="2400" dirty="0" smtClean="0"/>
+              <a:t>尤度が高い</a:t>
+            </a:r>
+            <a:endParaRPr kumimoji="1" lang="ja-JP" altLang="en-US" sz="2400" dirty="0"/>
+          </a:p>
+        </p:txBody>
+      </p:sp>
     </p:spTree>
     <p:extLst>
       <p:ext uri="{BB962C8B-B14F-4D97-AF65-F5344CB8AC3E}">
@@ -15045,11 +16011,7 @@
             <a:pPr lvl="1"/>
             <a:r>
               <a:rPr kumimoji="1" lang="ja-JP" altLang="en-US" dirty="0" smtClean="0"/>
-              <a:t>復号問題</a:t>
-            </a:r>
-            <a:r>
-              <a:rPr kumimoji="1" lang="ja-JP" altLang="en-US" dirty="0" smtClean="0"/>
-              <a:t>を解いて最尤状態遷移系列を求める関数</a:t>
+              <a:t>復号問題を解いて最尤状態遷移系列を求める関数</a:t>
             </a:r>
             <a:endParaRPr kumimoji="1" lang="en-US" altLang="ja-JP" dirty="0" smtClean="0"/>
           </a:p>
@@ -17678,23 +18640,6 @@
               <a:t> </a:t>
             </a:r>
             <a:r>
-              <a:rPr lang="en-US" altLang="ja-JP" dirty="0" smtClean="0"/>
-              <a:t>enshu_hmm.py</a:t>
-            </a:r>
-            <a:r>
-              <a:rPr lang="ja-JP" altLang="en-US" dirty="0"/>
-              <a:t>が存在するフォルダに移動</a:t>
-            </a:r>
-          </a:p>
-          <a:p>
-            <a:pPr marL="0" indent="0">
-              <a:buNone/>
-            </a:pPr>
-            <a:r>
-              <a:rPr lang="en-US" altLang="ja-JP" dirty="0" smtClean="0"/>
-              <a:t>2.</a:t>
-            </a:r>
-            <a:r>
               <a:rPr lang="ja-JP" altLang="en-US" dirty="0" smtClean="0"/>
               <a:t>コマンド「</a:t>
             </a:r>
@@ -17743,6 +18688,12 @@
               <a:buNone/>
             </a:pPr>
             <a:endParaRPr lang="en-US" altLang="ja-JP" dirty="0"/>
+          </a:p>
+          <a:p>
+            <a:pPr marL="0" indent="0">
+              <a:buNone/>
+            </a:pPr>
+            <a:endParaRPr lang="en-US" altLang="ja-JP" sz="2400" dirty="0" smtClean="0"/>
           </a:p>
           <a:p>
             <a:pPr marL="0" indent="0">
